--- a/ConferenceMaterials/CRCSimPoster.pptx
+++ b/ConferenceMaterials/CRCSimPoster.pptx
@@ -211,7 +211,7 @@
           <a:p>
             <a:fld id="{4EE9FA2A-A7E6-41D0-BB84-0AFCD146FB8A}" type="datetimeFigureOut">
               <a:rPr lang="LID4096" smtClean="0"/>
-              <a:t>9/12/24</a:t>
+              <a:t>9/19/24</a:t>
             </a:fld>
             <a:endParaRPr lang="LID4096"/>
           </a:p>
@@ -705,7 +705,7 @@
           <a:p>
             <a:fld id="{1ECD7612-8A31-47AD-A3A1-315987FDDB64}" type="datetimeFigureOut">
               <a:rPr lang="LID4096" smtClean="0"/>
-              <a:t>9/12/24</a:t>
+              <a:t>9/19/24</a:t>
             </a:fld>
             <a:endParaRPr lang="LID4096"/>
           </a:p>
@@ -875,7 +875,7 @@
           <a:p>
             <a:fld id="{1ECD7612-8A31-47AD-A3A1-315987FDDB64}" type="datetimeFigureOut">
               <a:rPr lang="LID4096" smtClean="0"/>
-              <a:t>9/12/24</a:t>
+              <a:t>9/19/24</a:t>
             </a:fld>
             <a:endParaRPr lang="LID4096"/>
           </a:p>
@@ -1055,7 +1055,7 @@
           <a:p>
             <a:fld id="{1ECD7612-8A31-47AD-A3A1-315987FDDB64}" type="datetimeFigureOut">
               <a:rPr lang="LID4096" smtClean="0"/>
-              <a:t>9/12/24</a:t>
+              <a:t>9/19/24</a:t>
             </a:fld>
             <a:endParaRPr lang="LID4096"/>
           </a:p>
@@ -1225,7 +1225,7 @@
           <a:p>
             <a:fld id="{1ECD7612-8A31-47AD-A3A1-315987FDDB64}" type="datetimeFigureOut">
               <a:rPr lang="LID4096" smtClean="0"/>
-              <a:t>9/12/24</a:t>
+              <a:t>9/19/24</a:t>
             </a:fld>
             <a:endParaRPr lang="LID4096"/>
           </a:p>
@@ -1471,7 +1471,7 @@
           <a:p>
             <a:fld id="{1ECD7612-8A31-47AD-A3A1-315987FDDB64}" type="datetimeFigureOut">
               <a:rPr lang="LID4096" smtClean="0"/>
-              <a:t>9/12/24</a:t>
+              <a:t>9/19/24</a:t>
             </a:fld>
             <a:endParaRPr lang="LID4096"/>
           </a:p>
@@ -1703,7 +1703,7 @@
           <a:p>
             <a:fld id="{1ECD7612-8A31-47AD-A3A1-315987FDDB64}" type="datetimeFigureOut">
               <a:rPr lang="LID4096" smtClean="0"/>
-              <a:t>9/12/24</a:t>
+              <a:t>9/19/24</a:t>
             </a:fld>
             <a:endParaRPr lang="LID4096"/>
           </a:p>
@@ -2070,7 +2070,7 @@
           <a:p>
             <a:fld id="{1ECD7612-8A31-47AD-A3A1-315987FDDB64}" type="datetimeFigureOut">
               <a:rPr lang="LID4096" smtClean="0"/>
-              <a:t>9/12/24</a:t>
+              <a:t>9/19/24</a:t>
             </a:fld>
             <a:endParaRPr lang="LID4096"/>
           </a:p>
@@ -2188,7 +2188,7 @@
           <a:p>
             <a:fld id="{1ECD7612-8A31-47AD-A3A1-315987FDDB64}" type="datetimeFigureOut">
               <a:rPr lang="LID4096" smtClean="0"/>
-              <a:t>9/12/24</a:t>
+              <a:t>9/19/24</a:t>
             </a:fld>
             <a:endParaRPr lang="LID4096"/>
           </a:p>
@@ -2283,7 +2283,7 @@
           <a:p>
             <a:fld id="{1ECD7612-8A31-47AD-A3A1-315987FDDB64}" type="datetimeFigureOut">
               <a:rPr lang="LID4096" smtClean="0"/>
-              <a:t>9/12/24</a:t>
+              <a:t>9/19/24</a:t>
             </a:fld>
             <a:endParaRPr lang="LID4096"/>
           </a:p>
@@ -2560,7 +2560,7 @@
           <a:p>
             <a:fld id="{1ECD7612-8A31-47AD-A3A1-315987FDDB64}" type="datetimeFigureOut">
               <a:rPr lang="LID4096" smtClean="0"/>
-              <a:t>9/12/24</a:t>
+              <a:t>9/19/24</a:t>
             </a:fld>
             <a:endParaRPr lang="LID4096"/>
           </a:p>
@@ -2817,7 +2817,7 @@
           <a:p>
             <a:fld id="{1ECD7612-8A31-47AD-A3A1-315987FDDB64}" type="datetimeFigureOut">
               <a:rPr lang="LID4096" smtClean="0"/>
-              <a:t>9/12/24</a:t>
+              <a:t>9/19/24</a:t>
             </a:fld>
             <a:endParaRPr lang="LID4096"/>
           </a:p>
@@ -3030,7 +3030,7 @@
           <a:p>
             <a:fld id="{1ECD7612-8A31-47AD-A3A1-315987FDDB64}" type="datetimeFigureOut">
               <a:rPr lang="LID4096" smtClean="0"/>
-              <a:t>9/12/24</a:t>
+              <a:t>9/19/24</a:t>
             </a:fld>
             <a:endParaRPr lang="LID4096"/>
           </a:p>
@@ -3512,7 +3512,7 @@
                   <a:schemeClr val="bg1"/>
                 </a:solidFill>
               </a:rPr>
-              <a:t>yan O’Dea MS (1), Benjamin P. Linas MD, MPH (1, 2), Laura White Ph.D. (3), </a:t>
+              <a:t>yan O’Dea MS (1), Benjamin P. Linas MD, MPH (1, 2), Laura F White Ph.D. (3), </a:t>
             </a:r>
             <a:br>
               <a:rPr lang="en-US" sz="4400" dirty="0">
@@ -3522,20 +3522,12 @@
               </a:rPr>
             </a:br>
             <a:r>
-              <a:rPr lang="en-US" sz="4400" dirty="0">
+              <a:rPr lang="en-US" sz="4400">
                 <a:solidFill>
                   <a:schemeClr val="bg1"/>
                 </a:solidFill>
               </a:rPr>
-              <a:t>Joshua </a:t>
-            </a:r>
-            <a:r>
-              <a:rPr lang="en-US" sz="4400" dirty="0" err="1">
-                <a:solidFill>
-                  <a:schemeClr val="bg1"/>
-                </a:solidFill>
-              </a:rPr>
-              <a:t>Barocas</a:t>
+              <a:t>Joshua A Barocas</a:t>
             </a:r>
             <a:r>
               <a:rPr lang="en-US" sz="4400" dirty="0">
@@ -3586,7 +3578,7 @@
                   <a:schemeClr val="bg1"/>
                 </a:solidFill>
               </a:rPr>
-              <a:t>1) Boston Medical Center, (2) Boston University School of Medicine, (3) Boston University School of Public Health, (4) University of Colorado School of Medicine-Divisions of General Internal Medicine and Infectious Diseases, (4) Massachusetts General Hospital, (6) Harvard Medical School</a:t>
+              <a:t>1) Boston Medical Center, (2) Boston University School of Medicine, (3) Boston University School of Public Health, (4) University of Colorado School of Medicine-Divisions of General Internal Medicine and Infectious Diseases, (5) Massachusetts General Hospital, (6) Harvard Medical School</a:t>
             </a:r>
           </a:p>
         </p:txBody>
@@ -3606,7 +3598,7 @@
         <p:spPr>
           <a:xfrm>
             <a:off x="507206" y="7716100"/>
-            <a:ext cx="14180344" cy="10754780"/>
+            <a:ext cx="14180344" cy="5173284"/>
           </a:xfrm>
           <a:prstGeom prst="roundRect">
             <a:avLst>
@@ -3650,7 +3642,7 @@
               <a:rPr lang="en-US" sz="7200" b="1" dirty="0">
                 <a:latin typeface="Century Gothic" panose="020B0502020202020204" pitchFamily="34" charset="0"/>
               </a:rPr>
-              <a:t>Abstract</a:t>
+              <a:t>Background</a:t>
             </a:r>
           </a:p>
           <a:p>
@@ -3660,7 +3652,8 @@
             </a:pPr>
             <a:r>
               <a:rPr lang="en-US" sz="4000" dirty="0">
-                <a:latin typeface="Century Gothic" panose="020B0502020202020204" pitchFamily="34" charset="0"/>
+                <a:latin typeface="Calibri" panose="020F0502020204030204" pitchFamily="34" charset="0"/>
+                <a:cs typeface="Calibri" panose="020F0502020204030204" pitchFamily="34" charset="0"/>
               </a:rPr>
               <a:t>This research aims to </a:t>
             </a:r>
@@ -3669,70 +3662,11 @@
                 <a:solidFill>
                   <a:schemeClr val="bg1"/>
                 </a:solidFill>
-                <a:latin typeface="Century Gothic" panose="020B0502020202020204" pitchFamily="34" charset="0"/>
+                <a:latin typeface="Calibri" panose="020F0502020204030204" pitchFamily="34" charset="0"/>
+                <a:cs typeface="Calibri" panose="020F0502020204030204" pitchFamily="34" charset="0"/>
               </a:rPr>
-              <a:t>improve “capture-recapture” analysis - a method for estimating the number of people who use opioids living in a jurisdiction.</a:t>
-            </a:r>
-          </a:p>
-          <a:p>
-            <a:pPr marL="857250" indent="-857250">
-              <a:buFont typeface="Arial" panose="020B0604020202020204" pitchFamily="34" charset="0"/>
-              <a:buChar char="•"/>
-            </a:pPr>
-            <a:r>
-              <a:rPr lang="en-US" sz="4000" dirty="0">
-                <a:solidFill>
-                  <a:schemeClr val="bg1"/>
-                </a:solidFill>
-                <a:latin typeface="Century Gothic" panose="020B0502020202020204" pitchFamily="34" charset="0"/>
-              </a:rPr>
-              <a:t>We created a simulated population with a given prevalence of opioid use. </a:t>
-            </a:r>
-          </a:p>
-          <a:p>
-            <a:pPr marL="857250" indent="-857250">
-              <a:buFont typeface="Arial" panose="020B0604020202020204" pitchFamily="34" charset="0"/>
-              <a:buChar char="•"/>
-            </a:pPr>
-            <a:r>
-              <a:rPr lang="en-US" sz="4000" dirty="0">
-                <a:solidFill>
-                  <a:schemeClr val="bg1"/>
-                </a:solidFill>
-                <a:latin typeface="Century Gothic" panose="020B0502020202020204" pitchFamily="34" charset="0"/>
-              </a:rPr>
-              <a:t>We simulate a population of people who use opioids along with their “capture” of data in administrative records.</a:t>
-            </a:r>
-          </a:p>
-          <a:p>
-            <a:pPr marL="857250" indent="-857250">
-              <a:buFont typeface="Arial" panose="020B0604020202020204" pitchFamily="34" charset="0"/>
-              <a:buChar char="•"/>
-            </a:pPr>
-            <a:r>
-              <a:rPr lang="en-US" sz="4000" dirty="0">
-                <a:solidFill>
-                  <a:schemeClr val="bg1"/>
-                </a:solidFill>
-                <a:latin typeface="Century Gothic" panose="020B0502020202020204" pitchFamily="34" charset="0"/>
-              </a:rPr>
-              <a:t>We then performed the ”capture-recapture” analysis on the simulated data. and compared estimated prevalence to underlying true prevalence.</a:t>
-            </a:r>
-          </a:p>
-          <a:p>
-            <a:pPr marL="857250" indent="-857250">
-              <a:buFont typeface="Arial" panose="020B0604020202020204" pitchFamily="34" charset="0"/>
-              <a:buChar char="•"/>
-            </a:pPr>
-            <a:r>
-              <a:rPr lang="en-US" sz="4000" dirty="0">
-                <a:latin typeface="Century Gothic" panose="020B0502020202020204" pitchFamily="34" charset="0"/>
-              </a:rPr>
-              <a:t>Through contrasting different model selection processes, we enhance the precision of OUD prevalence estimates</a:t>
-            </a:r>
-            <a:endParaRPr lang="en-US" sz="4000" b="1" dirty="0">
-              <a:latin typeface="Century Gothic" panose="020B0502020202020204" pitchFamily="34" charset="0"/>
-            </a:endParaRPr>
+              <a:t>improve “capture-recapture” analysis - a method for estimating the number of people who use opioids living in a jurisdiction while addressing underreporting in surveillance, particularly in demographics where data may be increasingly sparse.</a:t>
+            </a:r>
           </a:p>
         </p:txBody>
       </p:sp>
@@ -3893,8 +3827,8 @@
         </p:nvSpPr>
         <p:spPr>
           <a:xfrm>
-            <a:off x="507206" y="18799390"/>
-            <a:ext cx="14180344" cy="7291490"/>
+            <a:off x="507206" y="19410218"/>
+            <a:ext cx="14180344" cy="6680662"/>
           </a:xfrm>
           <a:prstGeom prst="roundRect">
             <a:avLst>
@@ -3940,6 +3874,13 @@
               </a:rPr>
               <a:t>Results</a:t>
             </a:r>
+            <a:endParaRPr lang="en-US" sz="4000" dirty="0">
+              <a:solidFill>
+                <a:schemeClr val="bg1"/>
+              </a:solidFill>
+              <a:latin typeface="Calibri" panose="020F0502020204030204" pitchFamily="34" charset="0"/>
+              <a:cs typeface="Calibri" panose="020F0502020204030204" pitchFamily="34" charset="0"/>
+            </a:endParaRPr>
           </a:p>
           <a:p>
             <a:pPr marL="857250" indent="-857250">
@@ -3951,9 +3892,10 @@
                 <a:solidFill>
                   <a:schemeClr val="bg1"/>
                 </a:solidFill>
-                <a:latin typeface="Century Gothic" panose="020B0502020202020204" pitchFamily="34" charset="0"/>
+                <a:latin typeface="Calibri" panose="020F0502020204030204" pitchFamily="34" charset="0"/>
+                <a:cs typeface="Calibri" panose="020F0502020204030204" pitchFamily="34" charset="0"/>
               </a:rPr>
-              <a:t>When populations are large, we can recover the ground truth within 1%.</a:t>
+              <a:t>As populations become small, single point estimation using capture recapture loses accuracy showing a potential lack of robustness with respect to capture histories and population size; however, this lack of robustness can be addressed through taking the mean of bootstrapped estimates.</a:t>
             </a:r>
           </a:p>
           <a:p>
@@ -3966,24 +3908,10 @@
                 <a:solidFill>
                   <a:schemeClr val="bg1"/>
                 </a:solidFill>
-                <a:latin typeface="Century Gothic" panose="020B0502020202020204" pitchFamily="34" charset="0"/>
+                <a:latin typeface="Calibri" panose="020F0502020204030204" pitchFamily="34" charset="0"/>
+                <a:cs typeface="Calibri" panose="020F0502020204030204" pitchFamily="34" charset="0"/>
               </a:rPr>
-              <a:t>When populations become small, single point estimation using capture recapture loses accuracy showing a potential lack of robustness with respect to capture histories and population size.</a:t>
-            </a:r>
-          </a:p>
-          <a:p>
-            <a:pPr marL="857250" indent="-857250">
-              <a:buFont typeface="Arial" panose="020B0604020202020204" pitchFamily="34" charset="0"/>
-              <a:buChar char="•"/>
-            </a:pPr>
-            <a:r>
-              <a:rPr lang="en-US" sz="4000" dirty="0">
-                <a:solidFill>
-                  <a:schemeClr val="bg1"/>
-                </a:solidFill>
-                <a:latin typeface="Century Gothic" panose="020B0502020202020204" pitchFamily="34" charset="0"/>
-              </a:rPr>
-              <a:t>We attempt to address this lack of robustness through bootstrapping, which allows us to recover the ground truth</a:t>
+              <a:t>This indicates that, with bootstrap methods, we can recover the true prevalence of opioid use disorder in situations where data on certain demographics is sparse.</a:t>
             </a:r>
           </a:p>
         </p:txBody>
@@ -4068,7 +3996,7 @@
                 <a:latin typeface="Calibri" panose="020F0502020204030204" pitchFamily="34" charset="0"/>
                 <a:ea typeface="Times New Roman" panose="02020603050405020304" pitchFamily="18" charset="0"/>
               </a:rPr>
-              <a:t>CRC is a valuable method for estimating the hidden prevalence of OUD, but its effectiveness depends on selecting appropriate models based on available data. Through contrasting different approaches, we highlight the estimation process for strata-specific prevalence and interpret strengths and limitations of common model selection strategies, enhancing the precision of OUD prevalence assessments for uniquely stratified data.</a:t>
+              <a:t>CRC is a valuable method for estimating the hidden prevalence of OUD, but its effectiveness depends on selecting appropriate models based on available data. Through contrasting different approaches, we highlight the estimation process for strata-specific prevalence and interpret strengths and limitations of common model selection strategies, enhancing the precision of OUD prevalence assessments for uniquely stratified and captured data.</a:t>
             </a:r>
             <a:endParaRPr lang="en-US" sz="4000" dirty="0">
               <a:solidFill>
@@ -4189,6 +4117,99 @@
           </a:prstGeom>
         </p:spPr>
       </p:pic>
+      <p:sp>
+        <p:nvSpPr>
+          <p:cNvPr id="5" name="Rounded Rectangle 75">
+            <a:extLst>
+              <a:ext uri="{FF2B5EF4-FFF2-40B4-BE49-F238E27FC236}">
+                <a16:creationId xmlns:a16="http://schemas.microsoft.com/office/drawing/2014/main" id="{2C5224A0-9DC9-0BD1-2D3C-E5C8DD8685AF}"/>
+              </a:ext>
+            </a:extLst>
+          </p:cNvPr>
+          <p:cNvSpPr/>
+          <p:nvPr/>
+        </p:nvSpPr>
+        <p:spPr>
+          <a:xfrm>
+            <a:off x="507206" y="13339814"/>
+            <a:ext cx="14180344" cy="5619974"/>
+          </a:xfrm>
+          <a:prstGeom prst="roundRect">
+            <a:avLst>
+              <a:gd name="adj" fmla="val 3206"/>
+            </a:avLst>
+          </a:prstGeom>
+          <a:solidFill>
+            <a:srgbClr val="003771"/>
+          </a:solidFill>
+          <a:ln w="76200">
+            <a:solidFill>
+              <a:srgbClr val="3D9BE9"/>
+            </a:solidFill>
+          </a:ln>
+        </p:spPr>
+        <p:style>
+          <a:lnRef idx="2">
+            <a:schemeClr val="accent1">
+              <a:shade val="50000"/>
+            </a:schemeClr>
+          </a:lnRef>
+          <a:fillRef idx="1">
+            <a:schemeClr val="accent1"/>
+          </a:fillRef>
+          <a:effectRef idx="0">
+            <a:schemeClr val="accent1"/>
+          </a:effectRef>
+          <a:fontRef idx="minor">
+            <a:schemeClr val="lt1"/>
+          </a:fontRef>
+        </p:style>
+        <p:txBody>
+          <a:bodyPr rtlCol="0" anchor="ctr"/>
+          <a:lstStyle>
+            <a:defPPr>
+              <a:defRPr kern="1200" smtId="4294967295"/>
+            </a:defPPr>
+          </a:lstStyle>
+          <a:p>
+            <a:r>
+              <a:rPr lang="en-US" sz="7200" b="1" dirty="0">
+                <a:latin typeface="Century Gothic" panose="020B0502020202020204" pitchFamily="34" charset="0"/>
+              </a:rPr>
+              <a:t>Methods</a:t>
+            </a:r>
+          </a:p>
+          <a:p>
+            <a:pPr marL="857250" indent="-857250">
+              <a:buFont typeface="Arial" panose="020B0604020202020204" pitchFamily="34" charset="0"/>
+              <a:buChar char="•"/>
+            </a:pPr>
+            <a:r>
+              <a:rPr lang="en-US" sz="4000" dirty="0">
+                <a:latin typeface="Calibri" panose="020F0502020204030204" pitchFamily="34" charset="0"/>
+                <a:cs typeface="Calibri" panose="020F0502020204030204" pitchFamily="34" charset="0"/>
+              </a:rPr>
+              <a:t>A population was created with simulated capture histories and demographic information, then we examined the accuracy of estimates between Poisson and Negative Binomial (NB) distributions with log-linear models.</a:t>
+            </a:r>
+          </a:p>
+          <a:p>
+            <a:pPr marL="857250" indent="-857250">
+              <a:buFont typeface="Arial" panose="020B0604020202020204" pitchFamily="34" charset="0"/>
+              <a:buChar char="•"/>
+            </a:pPr>
+            <a:r>
+              <a:rPr lang="en-US" sz="4000" dirty="0">
+                <a:solidFill>
+                  <a:schemeClr val="bg1"/>
+                </a:solidFill>
+                <a:latin typeface="Calibri" panose="020F0502020204030204" pitchFamily="34" charset="0"/>
+                <a:cs typeface="Calibri" panose="020F0502020204030204" pitchFamily="34" charset="0"/>
+              </a:rPr>
+              <a:t>Model efficacy was benchmarked by comparing model estimates against the simulated ground truth.</a:t>
+            </a:r>
+          </a:p>
+        </p:txBody>
+      </p:sp>
     </p:spTree>
     <p:extLst>
       <p:ext uri="{BB962C8B-B14F-4D97-AF65-F5344CB8AC3E}">
@@ -4833,11 +4854,12 @@
 </file>
 
 <file path=customXml/item1.xml><?xml version="1.0" encoding="utf-8"?>
-<p:properties xmlns:p="http://schemas.microsoft.com/office/2006/metadata/properties" xmlns:xsi="http://www.w3.org/2001/XMLSchema-instance" xmlns:pc="http://schemas.microsoft.com/office/infopath/2007/PartnerControls">
-  <documentManagement>
-    <_activity xmlns="a26ba5a4-dc13-4f1e-aecf-f7e657dee8a6" xsi:nil="true"/>
-  </documentManagement>
-</p:properties>
+<?mso-contentType ?>
+<FormTemplates xmlns="http://schemas.microsoft.com/sharepoint/v3/contenttype/forms">
+  <Display>DocumentLibraryForm</Display>
+  <Edit>DocumentLibraryForm</Edit>
+  <New>DocumentLibraryForm</New>
+</FormTemplates>
 </file>
 
 <file path=customXml/item2.xml><?xml version="1.0" encoding="utf-8"?>
@@ -5056,27 +5078,17 @@
 </file>
 
 <file path=customXml/item3.xml><?xml version="1.0" encoding="utf-8"?>
-<?mso-contentType ?>
-<FormTemplates xmlns="http://schemas.microsoft.com/sharepoint/v3/contenttype/forms">
-  <Display>DocumentLibraryForm</Display>
-  <Edit>DocumentLibraryForm</Edit>
-  <New>DocumentLibraryForm</New>
-</FormTemplates>
+<p:properties xmlns:p="http://schemas.microsoft.com/office/2006/metadata/properties" xmlns:xsi="http://www.w3.org/2001/XMLSchema-instance" xmlns:pc="http://schemas.microsoft.com/office/infopath/2007/PartnerControls">
+  <documentManagement>
+    <_activity xmlns="a26ba5a4-dc13-4f1e-aecf-f7e657dee8a6" xsi:nil="true"/>
+  </documentManagement>
+</p:properties>
 </file>
 
 <file path=customXml/itemProps1.xml><?xml version="1.0" encoding="utf-8"?>
-<ds:datastoreItem xmlns:ds="http://schemas.openxmlformats.org/officeDocument/2006/customXml" ds:itemID="{1C1A2FBD-ED05-471F-AE6A-779A5CA194C5}">
+<ds:datastoreItem xmlns:ds="http://schemas.openxmlformats.org/officeDocument/2006/customXml" ds:itemID="{3783BBC4-ED4A-4B64-9F7C-4A7EF0EFBA93}">
   <ds:schemaRefs>
-    <ds:schemaRef ds:uri="http://www.w3.org/XML/1998/namespace"/>
-    <ds:schemaRef ds:uri="http://purl.org/dc/dcmitype/"/>
-    <ds:schemaRef ds:uri="http://schemas.microsoft.com/office/infopath/2007/PartnerControls"/>
-    <ds:schemaRef ds:uri="http://purl.org/dc/elements/1.1/"/>
-    <ds:schemaRef ds:uri="http://schemas.openxmlformats.org/package/2006/metadata/core-properties"/>
-    <ds:schemaRef ds:uri="http://schemas.microsoft.com/office/2006/metadata/properties"/>
-    <ds:schemaRef ds:uri="http://schemas.microsoft.com/office/2006/documentManagement/types"/>
-    <ds:schemaRef ds:uri="0f87e38d-5a79-4823-9784-f16a8415b53b"/>
-    <ds:schemaRef ds:uri="a26ba5a4-dc13-4f1e-aecf-f7e657dee8a6"/>
-    <ds:schemaRef ds:uri="http://purl.org/dc/terms/"/>
+    <ds:schemaRef ds:uri="http://schemas.microsoft.com/sharepoint/v3/contenttype/forms"/>
   </ds:schemaRefs>
 </ds:datastoreItem>
 </file>
@@ -5101,9 +5113,18 @@
 </file>
 
 <file path=customXml/itemProps3.xml><?xml version="1.0" encoding="utf-8"?>
-<ds:datastoreItem xmlns:ds="http://schemas.openxmlformats.org/officeDocument/2006/customXml" ds:itemID="{3783BBC4-ED4A-4B64-9F7C-4A7EF0EFBA93}">
+<ds:datastoreItem xmlns:ds="http://schemas.openxmlformats.org/officeDocument/2006/customXml" ds:itemID="{1C1A2FBD-ED05-471F-AE6A-779A5CA194C5}">
   <ds:schemaRefs>
-    <ds:schemaRef ds:uri="http://schemas.microsoft.com/sharepoint/v3/contenttype/forms"/>
+    <ds:schemaRef ds:uri="http://www.w3.org/XML/1998/namespace"/>
+    <ds:schemaRef ds:uri="http://purl.org/dc/dcmitype/"/>
+    <ds:schemaRef ds:uri="http://schemas.microsoft.com/office/infopath/2007/PartnerControls"/>
+    <ds:schemaRef ds:uri="http://purl.org/dc/elements/1.1/"/>
+    <ds:schemaRef ds:uri="http://schemas.openxmlformats.org/package/2006/metadata/core-properties"/>
+    <ds:schemaRef ds:uri="http://schemas.microsoft.com/office/2006/metadata/properties"/>
+    <ds:schemaRef ds:uri="http://schemas.microsoft.com/office/2006/documentManagement/types"/>
+    <ds:schemaRef ds:uri="0f87e38d-5a79-4823-9784-f16a8415b53b"/>
+    <ds:schemaRef ds:uri="a26ba5a4-dc13-4f1e-aecf-f7e657dee8a6"/>
+    <ds:schemaRef ds:uri="http://purl.org/dc/terms/"/>
   </ds:schemaRefs>
 </ds:datastoreItem>
 </file>

--- a/ConferenceMaterials/CRCSimPoster.pptx
+++ b/ConferenceMaterials/CRCSimPoster.pptx
@@ -211,7 +211,7 @@
           <a:p>
             <a:fld id="{4EE9FA2A-A7E6-41D0-BB84-0AFCD146FB8A}" type="datetimeFigureOut">
               <a:rPr lang="LID4096" smtClean="0"/>
-              <a:t>9/19/24</a:t>
+              <a:t>9/26/24</a:t>
             </a:fld>
             <a:endParaRPr lang="LID4096"/>
           </a:p>
@@ -705,7 +705,7 @@
           <a:p>
             <a:fld id="{1ECD7612-8A31-47AD-A3A1-315987FDDB64}" type="datetimeFigureOut">
               <a:rPr lang="LID4096" smtClean="0"/>
-              <a:t>9/19/24</a:t>
+              <a:t>9/26/24</a:t>
             </a:fld>
             <a:endParaRPr lang="LID4096"/>
           </a:p>
@@ -875,7 +875,7 @@
           <a:p>
             <a:fld id="{1ECD7612-8A31-47AD-A3A1-315987FDDB64}" type="datetimeFigureOut">
               <a:rPr lang="LID4096" smtClean="0"/>
-              <a:t>9/19/24</a:t>
+              <a:t>9/26/24</a:t>
             </a:fld>
             <a:endParaRPr lang="LID4096"/>
           </a:p>
@@ -1055,7 +1055,7 @@
           <a:p>
             <a:fld id="{1ECD7612-8A31-47AD-A3A1-315987FDDB64}" type="datetimeFigureOut">
               <a:rPr lang="LID4096" smtClean="0"/>
-              <a:t>9/19/24</a:t>
+              <a:t>9/26/24</a:t>
             </a:fld>
             <a:endParaRPr lang="LID4096"/>
           </a:p>
@@ -1225,7 +1225,7 @@
           <a:p>
             <a:fld id="{1ECD7612-8A31-47AD-A3A1-315987FDDB64}" type="datetimeFigureOut">
               <a:rPr lang="LID4096" smtClean="0"/>
-              <a:t>9/19/24</a:t>
+              <a:t>9/26/24</a:t>
             </a:fld>
             <a:endParaRPr lang="LID4096"/>
           </a:p>
@@ -1471,7 +1471,7 @@
           <a:p>
             <a:fld id="{1ECD7612-8A31-47AD-A3A1-315987FDDB64}" type="datetimeFigureOut">
               <a:rPr lang="LID4096" smtClean="0"/>
-              <a:t>9/19/24</a:t>
+              <a:t>9/26/24</a:t>
             </a:fld>
             <a:endParaRPr lang="LID4096"/>
           </a:p>
@@ -1703,7 +1703,7 @@
           <a:p>
             <a:fld id="{1ECD7612-8A31-47AD-A3A1-315987FDDB64}" type="datetimeFigureOut">
               <a:rPr lang="LID4096" smtClean="0"/>
-              <a:t>9/19/24</a:t>
+              <a:t>9/26/24</a:t>
             </a:fld>
             <a:endParaRPr lang="LID4096"/>
           </a:p>
@@ -2070,7 +2070,7 @@
           <a:p>
             <a:fld id="{1ECD7612-8A31-47AD-A3A1-315987FDDB64}" type="datetimeFigureOut">
               <a:rPr lang="LID4096" smtClean="0"/>
-              <a:t>9/19/24</a:t>
+              <a:t>9/26/24</a:t>
             </a:fld>
             <a:endParaRPr lang="LID4096"/>
           </a:p>
@@ -2188,7 +2188,7 @@
           <a:p>
             <a:fld id="{1ECD7612-8A31-47AD-A3A1-315987FDDB64}" type="datetimeFigureOut">
               <a:rPr lang="LID4096" smtClean="0"/>
-              <a:t>9/19/24</a:t>
+              <a:t>9/26/24</a:t>
             </a:fld>
             <a:endParaRPr lang="LID4096"/>
           </a:p>
@@ -2283,7 +2283,7 @@
           <a:p>
             <a:fld id="{1ECD7612-8A31-47AD-A3A1-315987FDDB64}" type="datetimeFigureOut">
               <a:rPr lang="LID4096" smtClean="0"/>
-              <a:t>9/19/24</a:t>
+              <a:t>9/26/24</a:t>
             </a:fld>
             <a:endParaRPr lang="LID4096"/>
           </a:p>
@@ -2560,7 +2560,7 @@
           <a:p>
             <a:fld id="{1ECD7612-8A31-47AD-A3A1-315987FDDB64}" type="datetimeFigureOut">
               <a:rPr lang="LID4096" smtClean="0"/>
-              <a:t>9/19/24</a:t>
+              <a:t>9/26/24</a:t>
             </a:fld>
             <a:endParaRPr lang="LID4096"/>
           </a:p>
@@ -2817,7 +2817,7 @@
           <a:p>
             <a:fld id="{1ECD7612-8A31-47AD-A3A1-315987FDDB64}" type="datetimeFigureOut">
               <a:rPr lang="LID4096" smtClean="0"/>
-              <a:t>9/19/24</a:t>
+              <a:t>9/26/24</a:t>
             </a:fld>
             <a:endParaRPr lang="LID4096"/>
           </a:p>
@@ -3030,7 +3030,7 @@
           <a:p>
             <a:fld id="{1ECD7612-8A31-47AD-A3A1-315987FDDB64}" type="datetimeFigureOut">
               <a:rPr lang="LID4096" smtClean="0"/>
-              <a:t>9/19/24</a:t>
+              <a:t>9/26/24</a:t>
             </a:fld>
             <a:endParaRPr lang="LID4096"/>
           </a:p>
@@ -3979,13 +3979,15 @@
             </a:r>
           </a:p>
           <a:p>
-            <a:pPr marL="0" marR="0">
+            <a:pPr marL="571500" marR="0" indent="-571500">
               <a:spcBef>
                 <a:spcPts val="0"/>
               </a:spcBef>
               <a:spcAft>
                 <a:spcPts val="0"/>
               </a:spcAft>
+              <a:buFont typeface="Arial" panose="020B0604020202020204" pitchFamily="34" charset="0"/>
+              <a:buChar char="•"/>
             </a:pPr>
             <a:r>
               <a:rPr lang="en-US" sz="4000" dirty="0">
@@ -3996,7 +3998,50 @@
                 <a:latin typeface="Calibri" panose="020F0502020204030204" pitchFamily="34" charset="0"/>
                 <a:ea typeface="Times New Roman" panose="02020603050405020304" pitchFamily="18" charset="0"/>
               </a:rPr>
-              <a:t>CRC is a valuable method for estimating the hidden prevalence of OUD, but its effectiveness depends on selecting appropriate models based on available data. Through contrasting different approaches, we highlight the estimation process for strata-specific prevalence and interpret strengths and limitations of common model selection strategies, enhancing the precision of OUD prevalence assessments for uniquely stratified and captured data.</a:t>
+              <a:t>Bootstrapping over multiple datasets, backward step-wise model selection processes (MSP) </a:t>
+            </a:r>
+            <a:r>
+              <a:rPr lang="en-US" sz="4000" dirty="0">
+                <a:solidFill>
+                  <a:schemeClr val="bg1"/>
+                </a:solidFill>
+                <a:latin typeface="Calibri" panose="020F0502020204030204" pitchFamily="34" charset="0"/>
+                <a:ea typeface="Times New Roman" panose="02020603050405020304" pitchFamily="18" charset="0"/>
+              </a:rPr>
+              <a:t>provide the most accurate estimate; however, when providing incorrect estimates, can tend to overestimate.</a:t>
+            </a:r>
+          </a:p>
+          <a:p>
+            <a:pPr marL="571500" marR="0" indent="-571500">
+              <a:spcBef>
+                <a:spcPts val="0"/>
+              </a:spcBef>
+              <a:spcAft>
+                <a:spcPts val="0"/>
+              </a:spcAft>
+              <a:buFont typeface="Arial" panose="020B0604020202020204" pitchFamily="34" charset="0"/>
+              <a:buChar char="•"/>
+            </a:pPr>
+            <a:r>
+              <a:rPr lang="en-US" sz="4000" dirty="0">
+                <a:solidFill>
+                  <a:schemeClr val="bg1"/>
+                </a:solidFill>
+                <a:effectLst/>
+                <a:latin typeface="Calibri" panose="020F0502020204030204" pitchFamily="34" charset="0"/>
+                <a:ea typeface="Times New Roman" panose="02020603050405020304" pitchFamily="18" charset="0"/>
+              </a:rPr>
+              <a:t>When </a:t>
+            </a:r>
+            <a:r>
+              <a:rPr lang="en-US" sz="4000" dirty="0">
+                <a:solidFill>
+                  <a:schemeClr val="bg1"/>
+                </a:solidFill>
+                <a:latin typeface="Calibri" panose="020F0502020204030204" pitchFamily="34" charset="0"/>
+                <a:ea typeface="Times New Roman" panose="02020603050405020304" pitchFamily="18" charset="0"/>
+              </a:rPr>
+              <a:t>emulating a dataset of interest, and bootstrapping over small counts, Negative Binomial estimates using backward step-wise MSPs can estimate the true prevalence.</a:t>
             </a:r>
             <a:endParaRPr lang="en-US" sz="4000" dirty="0">
               <a:solidFill>
@@ -4068,55 +4113,27 @@
               <a:rPr lang="en-US" sz="7200" b="1" dirty="0">
                 <a:latin typeface="Century Gothic" panose="020B0502020202020204" pitchFamily="34" charset="0"/>
               </a:rPr>
-              <a:t>Outcomes</a:t>
-            </a:r>
-          </a:p>
-          <a:p>
-            <a:r>
-              <a:rPr lang="en-US" sz="7200" b="1" dirty="0">
+              <a:t>Prevalence Estimation on </a:t>
+            </a:r>
+            <a:r>
+              <a:rPr lang="en-US" sz="7200" b="1">
                 <a:latin typeface="Century Gothic" panose="020B0502020202020204" pitchFamily="34" charset="0"/>
               </a:rPr>
-              <a:t>[[TABLE OF ESTIMATE FOR 2021 HERE]] – seeing if I can get 2022 data from the PHD in time</a:t>
-            </a:r>
-          </a:p>
-        </p:txBody>
-      </p:sp>
-      <p:pic>
-        <p:nvPicPr>
-          <p:cNvPr id="9" name="Picture 8" descr="A graph with a number of boxes&#10;&#10;Description automatically generated with medium confidence">
-            <a:extLst>
-              <a:ext uri="{FF2B5EF4-FFF2-40B4-BE49-F238E27FC236}">
-                <a16:creationId xmlns:a16="http://schemas.microsoft.com/office/drawing/2014/main" id="{0756AB2B-43A6-D089-6F3B-B0CCEBA62FFA}"/>
-              </a:ext>
-            </a:extLst>
-          </p:cNvPr>
-          <p:cNvPicPr>
-            <a:picLocks noChangeAspect="1"/>
-          </p:cNvPicPr>
-          <p:nvPr/>
-        </p:nvPicPr>
-        <p:blipFill>
-          <a:blip r:embed="rId7">
-            <a:extLst>
-              <a:ext uri="{28A0092B-C50C-407E-A947-70E740481C1C}">
-                <a14:useLocalDpi xmlns:a14="http://schemas.microsoft.com/office/drawing/2010/main" val="0"/>
-              </a:ext>
-            </a:extLst>
-          </a:blip>
-          <a:stretch>
-            <a:fillRect/>
-          </a:stretch>
-        </p:blipFill>
-        <p:spPr>
-          <a:xfrm>
-            <a:off x="15137605" y="7716099"/>
-            <a:ext cx="14516101" cy="30230309"/>
-          </a:xfrm>
-          <a:prstGeom prst="rect">
-            <a:avLst/>
-          </a:prstGeom>
-        </p:spPr>
-      </p:pic>
+              <a:t>Massachusetts Data</a:t>
+            </a:r>
+          </a:p>
+          <a:p>
+            <a:endParaRPr lang="en-US" sz="7200" b="1" dirty="0">
+              <a:latin typeface="Century Gothic" panose="020B0502020202020204" pitchFamily="34" charset="0"/>
+            </a:endParaRPr>
+          </a:p>
+          <a:p>
+            <a:endParaRPr lang="en-US" sz="7200" b="1" dirty="0">
+              <a:latin typeface="Century Gothic" panose="020B0502020202020204" pitchFamily="34" charset="0"/>
+            </a:endParaRPr>
+          </a:p>
+        </p:txBody>
+      </p:sp>
       <p:sp>
         <p:nvSpPr>
           <p:cNvPr id="5" name="Rounded Rectangle 75">
@@ -4210,6 +4227,182 @@
           </a:p>
         </p:txBody>
       </p:sp>
+      <p:pic>
+        <p:nvPicPr>
+          <p:cNvPr id="21" name="Picture 20" descr="A graph of a number of data&#10;&#10;Description automatically generated with medium confidence">
+            <a:extLst>
+              <a:ext uri="{FF2B5EF4-FFF2-40B4-BE49-F238E27FC236}">
+                <a16:creationId xmlns:a16="http://schemas.microsoft.com/office/drawing/2014/main" id="{993122F1-027C-8741-9D7B-8F8804917DE7}"/>
+              </a:ext>
+            </a:extLst>
+          </p:cNvPr>
+          <p:cNvPicPr>
+            <a:picLocks noChangeAspect="1"/>
+          </p:cNvPicPr>
+          <p:nvPr/>
+        </p:nvPicPr>
+        <p:blipFill>
+          <a:blip r:embed="rId7">
+            <a:extLst>
+              <a:ext uri="{28A0092B-C50C-407E-A947-70E740481C1C}">
+                <a14:useLocalDpi xmlns:a14="http://schemas.microsoft.com/office/drawing/2010/main" val="0"/>
+              </a:ext>
+            </a:extLst>
+          </a:blip>
+          <a:stretch>
+            <a:fillRect/>
+          </a:stretch>
+        </p:blipFill>
+        <p:spPr>
+          <a:xfrm>
+            <a:off x="15137606" y="7699208"/>
+            <a:ext cx="14630400" cy="14630400"/>
+          </a:xfrm>
+          <a:prstGeom prst="rect">
+            <a:avLst/>
+          </a:prstGeom>
+        </p:spPr>
+      </p:pic>
+      <p:pic>
+        <p:nvPicPr>
+          <p:cNvPr id="25" name="Picture 24" descr="A graph of a number of people&#10;&#10;Description automatically generated with medium confidence">
+            <a:extLst>
+              <a:ext uri="{FF2B5EF4-FFF2-40B4-BE49-F238E27FC236}">
+                <a16:creationId xmlns:a16="http://schemas.microsoft.com/office/drawing/2014/main" id="{1FD2FD23-5080-7E28-A85A-2333138F956B}"/>
+              </a:ext>
+            </a:extLst>
+          </p:cNvPr>
+          <p:cNvPicPr>
+            <a:picLocks noChangeAspect="1"/>
+          </p:cNvPicPr>
+          <p:nvPr/>
+        </p:nvPicPr>
+        <p:blipFill>
+          <a:blip r:embed="rId8">
+            <a:extLst>
+              <a:ext uri="{28A0092B-C50C-407E-A947-70E740481C1C}">
+                <a14:useLocalDpi xmlns:a14="http://schemas.microsoft.com/office/drawing/2010/main" val="0"/>
+              </a:ext>
+            </a:extLst>
+          </a:blip>
+          <a:stretch>
+            <a:fillRect/>
+          </a:stretch>
+        </p:blipFill>
+        <p:spPr>
+          <a:xfrm>
+            <a:off x="15137607" y="23065767"/>
+            <a:ext cx="14630399" cy="14630399"/>
+          </a:xfrm>
+          <a:prstGeom prst="rect">
+            <a:avLst/>
+          </a:prstGeom>
+        </p:spPr>
+      </p:pic>
+      <p:graphicFrame>
+        <p:nvGraphicFramePr>
+          <p:cNvPr id="26" name="Table 25">
+            <a:extLst>
+              <a:ext uri="{FF2B5EF4-FFF2-40B4-BE49-F238E27FC236}">
+                <a16:creationId xmlns:a16="http://schemas.microsoft.com/office/drawing/2014/main" id="{394BEA4C-FC65-8040-2EC7-B572AC90F8C5}"/>
+              </a:ext>
+            </a:extLst>
+          </p:cNvPr>
+          <p:cNvGraphicFramePr>
+            <a:graphicFrameLocks noGrp="1"/>
+          </p:cNvGraphicFramePr>
+          <p:nvPr>
+            <p:extLst>
+              <p:ext uri="{D42A27DB-BD31-4B8C-83A1-F6EECF244321}">
+                <p14:modId xmlns:p14="http://schemas.microsoft.com/office/powerpoint/2010/main" val="2211392432"/>
+              </p:ext>
+            </p:extLst>
+          </p:nvPr>
+        </p:nvGraphicFramePr>
+        <p:xfrm>
+          <a:off x="5045869" y="14674056"/>
+          <a:ext cx="20183476" cy="1999488"/>
+        </p:xfrm>
+        <a:graphic>
+          <a:graphicData uri="http://schemas.openxmlformats.org/drawingml/2006/table">
+            <a:tbl>
+              <a:tblPr firstRow="1" bandRow="1">
+                <a:tableStyleId>{073A0DAA-6AF3-43AB-8588-CEC1D06C72B9}</a:tableStyleId>
+              </a:tblPr>
+              <a:tblGrid>
+                <a:gridCol w="10091738">
+                  <a:extLst>
+                    <a:ext uri="{9D8B030D-6E8A-4147-A177-3AD203B41FA5}">
+                      <a16:colId xmlns:a16="http://schemas.microsoft.com/office/drawing/2014/main" val="3116414592"/>
+                    </a:ext>
+                  </a:extLst>
+                </a:gridCol>
+                <a:gridCol w="10091738">
+                  <a:extLst>
+                    <a:ext uri="{9D8B030D-6E8A-4147-A177-3AD203B41FA5}">
+                      <a16:colId xmlns:a16="http://schemas.microsoft.com/office/drawing/2014/main" val="1928975674"/>
+                    </a:ext>
+                  </a:extLst>
+                </a:gridCol>
+              </a:tblGrid>
+              <a:tr h="370840">
+                <a:tc>
+                  <a:txBody>
+                    <a:bodyPr/>
+                    <a:lstStyle/>
+                    <a:p>
+                      <a:endParaRPr lang="en-US"/>
+                    </a:p>
+                  </a:txBody>
+                  <a:tcPr/>
+                </a:tc>
+                <a:tc>
+                  <a:txBody>
+                    <a:bodyPr/>
+                    <a:lstStyle/>
+                    <a:p>
+                      <a:endParaRPr lang="en-US"/>
+                    </a:p>
+                  </a:txBody>
+                  <a:tcPr/>
+                </a:tc>
+                <a:extLst>
+                  <a:ext uri="{0D108BD9-81ED-4DB2-BD59-A6C34878D82A}">
+                    <a16:rowId xmlns:a16="http://schemas.microsoft.com/office/drawing/2014/main" val="2638737653"/>
+                  </a:ext>
+                </a:extLst>
+              </a:tr>
+              <a:tr h="370840">
+                <a:tc>
+                  <a:txBody>
+                    <a:bodyPr/>
+                    <a:lstStyle/>
+                    <a:p>
+                      <a:endParaRPr lang="en-US"/>
+                    </a:p>
+                  </a:txBody>
+                  <a:tcPr/>
+                </a:tc>
+                <a:tc>
+                  <a:txBody>
+                    <a:bodyPr/>
+                    <a:lstStyle/>
+                    <a:p>
+                      <a:endParaRPr lang="en-US" dirty="0"/>
+                    </a:p>
+                  </a:txBody>
+                  <a:tcPr/>
+                </a:tc>
+                <a:extLst>
+                  <a:ext uri="{0D108BD9-81ED-4DB2-BD59-A6C34878D82A}">
+                    <a16:rowId xmlns:a16="http://schemas.microsoft.com/office/drawing/2014/main" val="350009842"/>
+                  </a:ext>
+                </a:extLst>
+              </a:tr>
+            </a:tbl>
+          </a:graphicData>
+        </a:graphic>
+      </p:graphicFrame>
     </p:spTree>
     <p:extLst>
       <p:ext uri="{BB962C8B-B14F-4D97-AF65-F5344CB8AC3E}">
@@ -4854,12 +5047,11 @@
 </file>
 
 <file path=customXml/item1.xml><?xml version="1.0" encoding="utf-8"?>
-<?mso-contentType ?>
-<FormTemplates xmlns="http://schemas.microsoft.com/sharepoint/v3/contenttype/forms">
-  <Display>DocumentLibraryForm</Display>
-  <Edit>DocumentLibraryForm</Edit>
-  <New>DocumentLibraryForm</New>
-</FormTemplates>
+<p:properties xmlns:p="http://schemas.microsoft.com/office/2006/metadata/properties" xmlns:xsi="http://www.w3.org/2001/XMLSchema-instance" xmlns:pc="http://schemas.microsoft.com/office/infopath/2007/PartnerControls">
+  <documentManagement>
+    <_activity xmlns="a26ba5a4-dc13-4f1e-aecf-f7e657dee8a6" xsi:nil="true"/>
+  </documentManagement>
+</p:properties>
 </file>
 
 <file path=customXml/item2.xml><?xml version="1.0" encoding="utf-8"?>
@@ -5078,17 +5270,27 @@
 </file>
 
 <file path=customXml/item3.xml><?xml version="1.0" encoding="utf-8"?>
-<p:properties xmlns:p="http://schemas.microsoft.com/office/2006/metadata/properties" xmlns:xsi="http://www.w3.org/2001/XMLSchema-instance" xmlns:pc="http://schemas.microsoft.com/office/infopath/2007/PartnerControls">
-  <documentManagement>
-    <_activity xmlns="a26ba5a4-dc13-4f1e-aecf-f7e657dee8a6" xsi:nil="true"/>
-  </documentManagement>
-</p:properties>
+<?mso-contentType ?>
+<FormTemplates xmlns="http://schemas.microsoft.com/sharepoint/v3/contenttype/forms">
+  <Display>DocumentLibraryForm</Display>
+  <Edit>DocumentLibraryForm</Edit>
+  <New>DocumentLibraryForm</New>
+</FormTemplates>
 </file>
 
 <file path=customXml/itemProps1.xml><?xml version="1.0" encoding="utf-8"?>
-<ds:datastoreItem xmlns:ds="http://schemas.openxmlformats.org/officeDocument/2006/customXml" ds:itemID="{3783BBC4-ED4A-4B64-9F7C-4A7EF0EFBA93}">
+<ds:datastoreItem xmlns:ds="http://schemas.openxmlformats.org/officeDocument/2006/customXml" ds:itemID="{1C1A2FBD-ED05-471F-AE6A-779A5CA194C5}">
   <ds:schemaRefs>
-    <ds:schemaRef ds:uri="http://schemas.microsoft.com/sharepoint/v3/contenttype/forms"/>
+    <ds:schemaRef ds:uri="http://www.w3.org/XML/1998/namespace"/>
+    <ds:schemaRef ds:uri="http://purl.org/dc/dcmitype/"/>
+    <ds:schemaRef ds:uri="http://schemas.microsoft.com/office/infopath/2007/PartnerControls"/>
+    <ds:schemaRef ds:uri="http://purl.org/dc/elements/1.1/"/>
+    <ds:schemaRef ds:uri="http://schemas.openxmlformats.org/package/2006/metadata/core-properties"/>
+    <ds:schemaRef ds:uri="http://schemas.microsoft.com/office/2006/metadata/properties"/>
+    <ds:schemaRef ds:uri="http://schemas.microsoft.com/office/2006/documentManagement/types"/>
+    <ds:schemaRef ds:uri="0f87e38d-5a79-4823-9784-f16a8415b53b"/>
+    <ds:schemaRef ds:uri="a26ba5a4-dc13-4f1e-aecf-f7e657dee8a6"/>
+    <ds:schemaRef ds:uri="http://purl.org/dc/terms/"/>
   </ds:schemaRefs>
 </ds:datastoreItem>
 </file>
@@ -5113,18 +5315,9 @@
 </file>
 
 <file path=customXml/itemProps3.xml><?xml version="1.0" encoding="utf-8"?>
-<ds:datastoreItem xmlns:ds="http://schemas.openxmlformats.org/officeDocument/2006/customXml" ds:itemID="{1C1A2FBD-ED05-471F-AE6A-779A5CA194C5}">
+<ds:datastoreItem xmlns:ds="http://schemas.openxmlformats.org/officeDocument/2006/customXml" ds:itemID="{3783BBC4-ED4A-4B64-9F7C-4A7EF0EFBA93}">
   <ds:schemaRefs>
-    <ds:schemaRef ds:uri="http://www.w3.org/XML/1998/namespace"/>
-    <ds:schemaRef ds:uri="http://purl.org/dc/dcmitype/"/>
-    <ds:schemaRef ds:uri="http://schemas.microsoft.com/office/infopath/2007/PartnerControls"/>
-    <ds:schemaRef ds:uri="http://purl.org/dc/elements/1.1/"/>
-    <ds:schemaRef ds:uri="http://schemas.openxmlformats.org/package/2006/metadata/core-properties"/>
-    <ds:schemaRef ds:uri="http://schemas.microsoft.com/office/2006/metadata/properties"/>
-    <ds:schemaRef ds:uri="http://schemas.microsoft.com/office/2006/documentManagement/types"/>
-    <ds:schemaRef ds:uri="0f87e38d-5a79-4823-9784-f16a8415b53b"/>
-    <ds:schemaRef ds:uri="a26ba5a4-dc13-4f1e-aecf-f7e657dee8a6"/>
-    <ds:schemaRef ds:uri="http://purl.org/dc/terms/"/>
+    <ds:schemaRef ds:uri="http://schemas.microsoft.com/sharepoint/v3/contenttype/forms"/>
   </ds:schemaRefs>
 </ds:datastoreItem>
 </file>

--- a/ConferenceMaterials/CRCSimPoster.pptx
+++ b/ConferenceMaterials/CRCSimPoster.pptx
@@ -211,7 +211,7 @@
           <a:p>
             <a:fld id="{4EE9FA2A-A7E6-41D0-BB84-0AFCD146FB8A}" type="datetimeFigureOut">
               <a:rPr lang="LID4096" smtClean="0"/>
-              <a:t>9/26/24</a:t>
+              <a:t>09/26/2024</a:t>
             </a:fld>
             <a:endParaRPr lang="LID4096"/>
           </a:p>
@@ -705,7 +705,7 @@
           <a:p>
             <a:fld id="{1ECD7612-8A31-47AD-A3A1-315987FDDB64}" type="datetimeFigureOut">
               <a:rPr lang="LID4096" smtClean="0"/>
-              <a:t>9/26/24</a:t>
+              <a:t>09/26/2024</a:t>
             </a:fld>
             <a:endParaRPr lang="LID4096"/>
           </a:p>
@@ -875,7 +875,7 @@
           <a:p>
             <a:fld id="{1ECD7612-8A31-47AD-A3A1-315987FDDB64}" type="datetimeFigureOut">
               <a:rPr lang="LID4096" smtClean="0"/>
-              <a:t>9/26/24</a:t>
+              <a:t>09/26/2024</a:t>
             </a:fld>
             <a:endParaRPr lang="LID4096"/>
           </a:p>
@@ -1055,7 +1055,7 @@
           <a:p>
             <a:fld id="{1ECD7612-8A31-47AD-A3A1-315987FDDB64}" type="datetimeFigureOut">
               <a:rPr lang="LID4096" smtClean="0"/>
-              <a:t>9/26/24</a:t>
+              <a:t>09/26/2024</a:t>
             </a:fld>
             <a:endParaRPr lang="LID4096"/>
           </a:p>
@@ -1225,7 +1225,7 @@
           <a:p>
             <a:fld id="{1ECD7612-8A31-47AD-A3A1-315987FDDB64}" type="datetimeFigureOut">
               <a:rPr lang="LID4096" smtClean="0"/>
-              <a:t>9/26/24</a:t>
+              <a:t>09/26/2024</a:t>
             </a:fld>
             <a:endParaRPr lang="LID4096"/>
           </a:p>
@@ -1471,7 +1471,7 @@
           <a:p>
             <a:fld id="{1ECD7612-8A31-47AD-A3A1-315987FDDB64}" type="datetimeFigureOut">
               <a:rPr lang="LID4096" smtClean="0"/>
-              <a:t>9/26/24</a:t>
+              <a:t>09/26/2024</a:t>
             </a:fld>
             <a:endParaRPr lang="LID4096"/>
           </a:p>
@@ -1703,7 +1703,7 @@
           <a:p>
             <a:fld id="{1ECD7612-8A31-47AD-A3A1-315987FDDB64}" type="datetimeFigureOut">
               <a:rPr lang="LID4096" smtClean="0"/>
-              <a:t>9/26/24</a:t>
+              <a:t>09/26/2024</a:t>
             </a:fld>
             <a:endParaRPr lang="LID4096"/>
           </a:p>
@@ -2070,7 +2070,7 @@
           <a:p>
             <a:fld id="{1ECD7612-8A31-47AD-A3A1-315987FDDB64}" type="datetimeFigureOut">
               <a:rPr lang="LID4096" smtClean="0"/>
-              <a:t>9/26/24</a:t>
+              <a:t>09/26/2024</a:t>
             </a:fld>
             <a:endParaRPr lang="LID4096"/>
           </a:p>
@@ -2188,7 +2188,7 @@
           <a:p>
             <a:fld id="{1ECD7612-8A31-47AD-A3A1-315987FDDB64}" type="datetimeFigureOut">
               <a:rPr lang="LID4096" smtClean="0"/>
-              <a:t>9/26/24</a:t>
+              <a:t>09/26/2024</a:t>
             </a:fld>
             <a:endParaRPr lang="LID4096"/>
           </a:p>
@@ -2283,7 +2283,7 @@
           <a:p>
             <a:fld id="{1ECD7612-8A31-47AD-A3A1-315987FDDB64}" type="datetimeFigureOut">
               <a:rPr lang="LID4096" smtClean="0"/>
-              <a:t>9/26/24</a:t>
+              <a:t>09/26/2024</a:t>
             </a:fld>
             <a:endParaRPr lang="LID4096"/>
           </a:p>
@@ -2560,7 +2560,7 @@
           <a:p>
             <a:fld id="{1ECD7612-8A31-47AD-A3A1-315987FDDB64}" type="datetimeFigureOut">
               <a:rPr lang="LID4096" smtClean="0"/>
-              <a:t>9/26/24</a:t>
+              <a:t>09/26/2024</a:t>
             </a:fld>
             <a:endParaRPr lang="LID4096"/>
           </a:p>
@@ -2817,7 +2817,7 @@
           <a:p>
             <a:fld id="{1ECD7612-8A31-47AD-A3A1-315987FDDB64}" type="datetimeFigureOut">
               <a:rPr lang="LID4096" smtClean="0"/>
-              <a:t>9/26/24</a:t>
+              <a:t>09/26/2024</a:t>
             </a:fld>
             <a:endParaRPr lang="LID4096"/>
           </a:p>
@@ -3030,7 +3030,7 @@
           <a:p>
             <a:fld id="{1ECD7612-8A31-47AD-A3A1-315987FDDB64}" type="datetimeFigureOut">
               <a:rPr lang="LID4096" smtClean="0"/>
-              <a:t>9/26/24</a:t>
+              <a:t>09/26/2024</a:t>
             </a:fld>
             <a:endParaRPr lang="LID4096"/>
           </a:p>
@@ -3665,7 +3665,7 @@
                 <a:latin typeface="Calibri" panose="020F0502020204030204" pitchFamily="34" charset="0"/>
                 <a:cs typeface="Calibri" panose="020F0502020204030204" pitchFamily="34" charset="0"/>
               </a:rPr>
-              <a:t>improve “capture-recapture” analysis - a method for estimating the number of people who use opioids living in a jurisdiction while addressing underreporting in surveillance, particularly in demographics where data may be increasingly sparse.</a:t>
+              <a:t>improve multiple systems capture-recapture estimation - a method for estimating the number of people who use opioids living in a jurisdiction while addressing underreporting in surveillance, particularly in demographics where data may be increasingly sparse.</a:t>
             </a:r>
           </a:p>
         </p:txBody>
@@ -3827,7 +3827,7 @@
         </p:nvSpPr>
         <p:spPr>
           <a:xfrm>
-            <a:off x="507206" y="19410218"/>
+            <a:off x="507206" y="19219718"/>
             <a:ext cx="14180344" cy="6680662"/>
           </a:xfrm>
           <a:prstGeom prst="roundRect">
@@ -3895,7 +3895,7 @@
                 <a:latin typeface="Calibri" panose="020F0502020204030204" pitchFamily="34" charset="0"/>
                 <a:cs typeface="Calibri" panose="020F0502020204030204" pitchFamily="34" charset="0"/>
               </a:rPr>
-              <a:t>As populations become small, single point estimation using capture recapture loses accuracy showing a potential lack of robustness with respect to capture histories and population size; however, this lack of robustness can be addressed through taking the mean of bootstrapped estimates.</a:t>
+              <a:t>As populations become small, single point estimation using capture recapture loses accuracy showing a potential lack of robustness with respect to capture histories and population size; however, this lack of robustness can be addressed through bootstrapping estimations</a:t>
             </a:r>
           </a:p>
           <a:p>
@@ -3930,7 +3930,7 @@
         </p:nvSpPr>
         <p:spPr>
           <a:xfrm>
-            <a:off x="507206" y="26541310"/>
+            <a:off x="507206" y="26122210"/>
             <a:ext cx="14180344" cy="6011330"/>
           </a:xfrm>
           <a:prstGeom prst="roundRect">
@@ -3990,25 +3990,8 @@
               <a:buChar char="•"/>
             </a:pPr>
             <a:r>
-              <a:rPr lang="en-US" sz="4000" dirty="0">
-                <a:solidFill>
-                  <a:schemeClr val="bg1"/>
-                </a:solidFill>
-                <a:effectLst/>
-                <a:latin typeface="Calibri" panose="020F0502020204030204" pitchFamily="34" charset="0"/>
-                <a:ea typeface="Times New Roman" panose="02020603050405020304" pitchFamily="18" charset="0"/>
-              </a:rPr>
-              <a:t>Bootstrapping over multiple datasets, backward step-wise model selection processes (MSP) </a:t>
-            </a:r>
-            <a:r>
-              <a:rPr lang="en-US" sz="4000" dirty="0">
-                <a:solidFill>
-                  <a:schemeClr val="bg1"/>
-                </a:solidFill>
-                <a:latin typeface="Calibri" panose="020F0502020204030204" pitchFamily="34" charset="0"/>
-                <a:ea typeface="Times New Roman" panose="02020603050405020304" pitchFamily="18" charset="0"/>
-              </a:rPr>
-              <a:t>provide the most accurate estimate; however, when providing incorrect estimates, can tend to overestimate.</a:t>
+              <a:rPr lang="en-US" sz="4000" dirty="0"/>
+              <a:t>(Top) Bootstrapping across multiple datasets demonstrates a convergence towards the ground truth, suggesting that in scenarios of single model failure, analogous models are likely sufficient to maintain accuracy and reliability</a:t>
             </a:r>
           </a:p>
           <a:p>
@@ -4031,7 +4014,7 @@
                 <a:latin typeface="Calibri" panose="020F0502020204030204" pitchFamily="34" charset="0"/>
                 <a:ea typeface="Times New Roman" panose="02020603050405020304" pitchFamily="18" charset="0"/>
               </a:rPr>
-              <a:t>When </a:t>
+              <a:t>(Bottom) When </a:t>
             </a:r>
             <a:r>
               <a:rPr lang="en-US" sz="4000" dirty="0">
@@ -4041,7 +4024,27 @@
                 <a:latin typeface="Calibri" panose="020F0502020204030204" pitchFamily="34" charset="0"/>
                 <a:ea typeface="Times New Roman" panose="02020603050405020304" pitchFamily="18" charset="0"/>
               </a:rPr>
-              <a:t>emulating a dataset of interest, and bootstrapping over small counts, Negative Binomial estimates using backward step-wise MSPs can estimate the true prevalence.</a:t>
+              <a:t>emulating our dataset of interest – the Massachusetts Public Health Database, and bootstrapping over small counts, Negative Binomial estimates using backward step-wise MSPs </a:t>
+            </a:r>
+            <a:r>
+              <a:rPr lang="en-US" sz="4000">
+                <a:solidFill>
+                  <a:schemeClr val="bg1"/>
+                </a:solidFill>
+                <a:latin typeface="Calibri" panose="020F0502020204030204" pitchFamily="34" charset="0"/>
+                <a:ea typeface="Times New Roman" panose="02020603050405020304" pitchFamily="18" charset="0"/>
+              </a:rPr>
+              <a:t>better estimated </a:t>
+            </a:r>
+            <a:r>
+              <a:rPr lang="en-US" sz="4000" dirty="0">
+                <a:solidFill>
+                  <a:schemeClr val="bg1"/>
+                </a:solidFill>
+                <a:latin typeface="Calibri" panose="020F0502020204030204" pitchFamily="34" charset="0"/>
+                <a:ea typeface="Times New Roman" panose="02020603050405020304" pitchFamily="18" charset="0"/>
+              </a:rPr>
+              <a:t>the true prevalence.</a:t>
             </a:r>
             <a:endParaRPr lang="en-US" sz="4000" dirty="0">
               <a:solidFill>
@@ -4068,8 +4071,8 @@
         </p:nvSpPr>
         <p:spPr>
           <a:xfrm>
-            <a:off x="507206" y="33003069"/>
-            <a:ext cx="14180344" cy="9352677"/>
+            <a:off x="507206" y="32443861"/>
+            <a:ext cx="14180344" cy="10048344"/>
           </a:xfrm>
           <a:prstGeom prst="roundRect">
             <a:avLst>
@@ -4113,14 +4116,33 @@
               <a:rPr lang="en-US" sz="7200" b="1" dirty="0">
                 <a:latin typeface="Century Gothic" panose="020B0502020202020204" pitchFamily="34" charset="0"/>
               </a:rPr>
-              <a:t>Prevalence Estimation on </a:t>
-            </a:r>
-            <a:r>
-              <a:rPr lang="en-US" sz="7200" b="1">
-                <a:latin typeface="Century Gothic" panose="020B0502020202020204" pitchFamily="34" charset="0"/>
-              </a:rPr>
-              <a:t>Massachusetts Data</a:t>
-            </a:r>
+              <a:t>Prevalence Estimation on Massachusetts Data (2022)</a:t>
+            </a:r>
+          </a:p>
+          <a:p>
+            <a:endParaRPr lang="en-US" sz="7200" b="1" dirty="0">
+              <a:latin typeface="Century Gothic" panose="020B0502020202020204" pitchFamily="34" charset="0"/>
+            </a:endParaRPr>
+          </a:p>
+          <a:p>
+            <a:endParaRPr lang="en-US" sz="7200" b="1" dirty="0">
+              <a:latin typeface="Century Gothic" panose="020B0502020202020204" pitchFamily="34" charset="0"/>
+            </a:endParaRPr>
+          </a:p>
+          <a:p>
+            <a:endParaRPr lang="en-US" sz="7200" b="1" dirty="0">
+              <a:latin typeface="Century Gothic" panose="020B0502020202020204" pitchFamily="34" charset="0"/>
+            </a:endParaRPr>
+          </a:p>
+          <a:p>
+            <a:endParaRPr lang="en-US" sz="7200" b="1" dirty="0">
+              <a:latin typeface="Century Gothic" panose="020B0502020202020204" pitchFamily="34" charset="0"/>
+            </a:endParaRPr>
+          </a:p>
+          <a:p>
+            <a:endParaRPr lang="en-US" sz="7200" b="1" dirty="0">
+              <a:latin typeface="Century Gothic" panose="020B0502020202020204" pitchFamily="34" charset="0"/>
+            </a:endParaRPr>
           </a:p>
           <a:p>
             <a:endParaRPr lang="en-US" sz="7200" b="1" dirty="0">
@@ -4291,7 +4313,7 @@
         </p:blipFill>
         <p:spPr>
           <a:xfrm>
-            <a:off x="15137607" y="23065767"/>
+            <a:off x="15137607" y="22859288"/>
             <a:ext cx="14630399" cy="14630399"/>
           </a:xfrm>
           <a:prstGeom prst="rect">
@@ -4301,10 +4323,10 @@
       </p:pic>
       <p:graphicFrame>
         <p:nvGraphicFramePr>
-          <p:cNvPr id="26" name="Table 25">
+          <p:cNvPr id="9" name="Table 8">
             <a:extLst>
               <a:ext uri="{FF2B5EF4-FFF2-40B4-BE49-F238E27FC236}">
-                <a16:creationId xmlns:a16="http://schemas.microsoft.com/office/drawing/2014/main" id="{394BEA4C-FC65-8040-2EC7-B572AC90F8C5}"/>
+                <a16:creationId xmlns:a16="http://schemas.microsoft.com/office/drawing/2014/main" id="{749A3CD1-DAD6-022B-9372-08446D3BE5AD}"/>
               </a:ext>
             </a:extLst>
           </p:cNvPr>
@@ -4314,44 +4336,62 @@
           <p:nvPr>
             <p:extLst>
               <p:ext uri="{D42A27DB-BD31-4B8C-83A1-F6EECF244321}">
-                <p14:modId xmlns:p14="http://schemas.microsoft.com/office/powerpoint/2010/main" val="2211392432"/>
+                <p14:modId xmlns:p14="http://schemas.microsoft.com/office/powerpoint/2010/main" val="3563543030"/>
               </p:ext>
             </p:extLst>
           </p:nvPr>
         </p:nvGraphicFramePr>
         <p:xfrm>
-          <a:off x="5045869" y="14674056"/>
-          <a:ext cx="20183476" cy="1999488"/>
+          <a:off x="478177" y="34990169"/>
+          <a:ext cx="14294643" cy="7598420"/>
         </p:xfrm>
         <a:graphic>
           <a:graphicData uri="http://schemas.openxmlformats.org/drawingml/2006/table">
             <a:tbl>
               <a:tblPr firstRow="1" bandRow="1">
-                <a:tableStyleId>{073A0DAA-6AF3-43AB-8588-CEC1D06C72B9}</a:tableStyleId>
+                <a:tableStyleId>{5C22544A-7EE6-4342-B048-85BDC9FD1C3A}</a:tableStyleId>
               </a:tblPr>
               <a:tblGrid>
-                <a:gridCol w="10091738">
+                <a:gridCol w="2753310">
                   <a:extLst>
                     <a:ext uri="{9D8B030D-6E8A-4147-A177-3AD203B41FA5}">
-                      <a16:colId xmlns:a16="http://schemas.microsoft.com/office/drawing/2014/main" val="3116414592"/>
+                      <a16:colId xmlns:a16="http://schemas.microsoft.com/office/drawing/2014/main" val="4177869494"/>
                     </a:ext>
                   </a:extLst>
                 </a:gridCol>
-                <a:gridCol w="10091738">
+                <a:gridCol w="1651505">
                   <a:extLst>
                     <a:ext uri="{9D8B030D-6E8A-4147-A177-3AD203B41FA5}">
-                      <a16:colId xmlns:a16="http://schemas.microsoft.com/office/drawing/2014/main" val="1928975674"/>
+                      <a16:colId xmlns:a16="http://schemas.microsoft.com/office/drawing/2014/main" val="3423111369"/>
+                    </a:ext>
+                  </a:extLst>
+                </a:gridCol>
+                <a:gridCol w="4992923">
+                  <a:extLst>
+                    <a:ext uri="{9D8B030D-6E8A-4147-A177-3AD203B41FA5}">
+                      <a16:colId xmlns:a16="http://schemas.microsoft.com/office/drawing/2014/main" val="1514258612"/>
+                    </a:ext>
+                  </a:extLst>
+                </a:gridCol>
+                <a:gridCol w="4896905">
+                  <a:extLst>
+                    <a:ext uri="{9D8B030D-6E8A-4147-A177-3AD203B41FA5}">
+                      <a16:colId xmlns:a16="http://schemas.microsoft.com/office/drawing/2014/main" val="3436550449"/>
                     </a:ext>
                   </a:extLst>
                 </a:gridCol>
               </a:tblGrid>
-              <a:tr h="370840">
+              <a:tr h="924380">
                 <a:tc>
                   <a:txBody>
                     <a:bodyPr/>
                     <a:lstStyle/>
                     <a:p>
-                      <a:endParaRPr lang="en-US"/>
+                      <a:r>
+                        <a:rPr lang="en-US" sz="3400" b="0" dirty="0"/>
+                        <a:t>Demographic</a:t>
+                      </a:r>
+                      <a:endParaRPr lang="LID4096" sz="3400" b="0" dirty="0"/>
                     </a:p>
                   </a:txBody>
                   <a:tcPr/>
@@ -4361,24 +4401,11 @@
                     <a:bodyPr/>
                     <a:lstStyle/>
                     <a:p>
-                      <a:endParaRPr lang="en-US"/>
-                    </a:p>
-                  </a:txBody>
-                  <a:tcPr/>
-                </a:tc>
-                <a:extLst>
-                  <a:ext uri="{0D108BD9-81ED-4DB2-BD59-A6C34878D82A}">
-                    <a16:rowId xmlns:a16="http://schemas.microsoft.com/office/drawing/2014/main" val="2638737653"/>
-                  </a:ext>
-                </a:extLst>
-              </a:tr>
-              <a:tr h="370840">
-                <a:tc>
-                  <a:txBody>
-                    <a:bodyPr/>
-                    <a:lstStyle/>
-                    <a:p>
-                      <a:endParaRPr lang="en-US"/>
+                      <a:r>
+                        <a:rPr lang="en-US" sz="3400" b="0" dirty="0"/>
+                        <a:t>Known</a:t>
+                      </a:r>
+                      <a:endParaRPr lang="LID4096" sz="3400" b="0" dirty="0"/>
                     </a:p>
                   </a:txBody>
                   <a:tcPr/>
@@ -4388,14 +4415,473 @@
                     <a:bodyPr/>
                     <a:lstStyle/>
                     <a:p>
-                      <a:endParaRPr lang="en-US" dirty="0"/>
+                      <a:r>
+                        <a:rPr lang="en-US" sz="3400" b="0" dirty="0"/>
+                        <a:t>Estimate (95% CI)</a:t>
+                      </a:r>
+                      <a:endParaRPr lang="LID4096" sz="3400" b="0" dirty="0"/>
+                    </a:p>
+                  </a:txBody>
+                  <a:tcPr/>
+                </a:tc>
+                <a:tc>
+                  <a:txBody>
+                    <a:bodyPr/>
+                    <a:lstStyle/>
+                    <a:p>
+                      <a:r>
+                        <a:rPr lang="en-US" sz="3400" b="0" dirty="0"/>
+                        <a:t>Total (95% CI)</a:t>
+                      </a:r>
+                      <a:endParaRPr lang="LID4096" sz="3400" b="0" dirty="0"/>
                     </a:p>
                   </a:txBody>
                   <a:tcPr/>
                 </a:tc>
                 <a:extLst>
                   <a:ext uri="{0D108BD9-81ED-4DB2-BD59-A6C34878D82A}">
-                    <a16:rowId xmlns:a16="http://schemas.microsoft.com/office/drawing/2014/main" val="350009842"/>
+                    <a16:rowId xmlns:a16="http://schemas.microsoft.com/office/drawing/2014/main" val="3733117184"/>
+                  </a:ext>
+                </a:extLst>
+              </a:tr>
+              <a:tr h="924380">
+                <a:tc>
+                  <a:txBody>
+                    <a:bodyPr/>
+                    <a:lstStyle/>
+                    <a:p>
+                      <a:r>
+                        <a:rPr lang="en-US" sz="3400" b="0" dirty="0"/>
+                        <a:t>Male</a:t>
+                      </a:r>
+                      <a:endParaRPr lang="LID4096" sz="3400" b="0" dirty="0"/>
+                    </a:p>
+                  </a:txBody>
+                  <a:tcPr/>
+                </a:tc>
+                <a:tc>
+                  <a:txBody>
+                    <a:bodyPr/>
+                    <a:lstStyle/>
+                    <a:p>
+                      <a:r>
+                        <a:rPr lang="en-US" sz="3400" b="0" dirty="0"/>
+                        <a:t>71,121</a:t>
+                      </a:r>
+                      <a:endParaRPr lang="LID4096" sz="3400" b="0" dirty="0"/>
+                    </a:p>
+                  </a:txBody>
+                  <a:tcPr/>
+                </a:tc>
+                <a:tc>
+                  <a:txBody>
+                    <a:bodyPr/>
+                    <a:lstStyle/>
+                    <a:p>
+                      <a:r>
+                        <a:rPr lang="en-US" sz="3400" b="0" dirty="0"/>
+                        <a:t>7,476 (7,306, 7,648)</a:t>
+                      </a:r>
+                      <a:endParaRPr lang="LID4096" sz="3400" b="0" dirty="0"/>
+                    </a:p>
+                  </a:txBody>
+                  <a:tcPr/>
+                </a:tc>
+                <a:tc>
+                  <a:txBody>
+                    <a:bodyPr/>
+                    <a:lstStyle/>
+                    <a:p>
+                      <a:r>
+                        <a:rPr lang="en-001" sz="3400" dirty="0"/>
+                        <a:t>78,597 (78,427, 78,769)</a:t>
+                      </a:r>
+                      <a:endParaRPr lang="LID4096" sz="3400" b="0" dirty="0"/>
+                    </a:p>
+                  </a:txBody>
+                  <a:tcPr/>
+                </a:tc>
+                <a:extLst>
+                  <a:ext uri="{0D108BD9-81ED-4DB2-BD59-A6C34878D82A}">
+                    <a16:rowId xmlns:a16="http://schemas.microsoft.com/office/drawing/2014/main" val="2927598065"/>
+                  </a:ext>
+                </a:extLst>
+              </a:tr>
+              <a:tr h="924380">
+                <a:tc>
+                  <a:txBody>
+                    <a:bodyPr/>
+                    <a:lstStyle/>
+                    <a:p>
+                      <a:r>
+                        <a:rPr lang="en-US" sz="3400" b="0" dirty="0"/>
+                        <a:t>Female</a:t>
+                      </a:r>
+                      <a:endParaRPr lang="LID4096" sz="3400" b="0" dirty="0"/>
+                    </a:p>
+                  </a:txBody>
+                  <a:tcPr/>
+                </a:tc>
+                <a:tc>
+                  <a:txBody>
+                    <a:bodyPr/>
+                    <a:lstStyle/>
+                    <a:p>
+                      <a:r>
+                        <a:rPr lang="en-US" sz="3400" b="0" dirty="0"/>
+                        <a:t>46,429</a:t>
+                      </a:r>
+                      <a:endParaRPr lang="LID4096" sz="3400" b="0" dirty="0"/>
+                    </a:p>
+                  </a:txBody>
+                  <a:tcPr/>
+                </a:tc>
+                <a:tc>
+                  <a:txBody>
+                    <a:bodyPr/>
+                    <a:lstStyle/>
+                    <a:p>
+                      <a:r>
+                        <a:rPr lang="en-US" sz="3400" b="0" dirty="0"/>
+                        <a:t>3,767 (3,641, 3,898)</a:t>
+                      </a:r>
+                      <a:endParaRPr lang="LID4096" sz="3400" b="0" dirty="0"/>
+                    </a:p>
+                  </a:txBody>
+                  <a:tcPr/>
+                </a:tc>
+                <a:tc>
+                  <a:txBody>
+                    <a:bodyPr/>
+                    <a:lstStyle/>
+                    <a:p>
+                      <a:r>
+                        <a:rPr lang="en-001" sz="3400" dirty="0"/>
+                        <a:t>50,196 (50,070, 50,327)</a:t>
+                      </a:r>
+                      <a:endParaRPr lang="en-US" sz="3400" b="0" dirty="0"/>
+                    </a:p>
+                  </a:txBody>
+                  <a:tcPr/>
+                </a:tc>
+                <a:extLst>
+                  <a:ext uri="{0D108BD9-81ED-4DB2-BD59-A6C34878D82A}">
+                    <a16:rowId xmlns:a16="http://schemas.microsoft.com/office/drawing/2014/main" val="120276817"/>
+                  </a:ext>
+                </a:extLst>
+              </a:tr>
+              <a:tr h="1101396">
+                <a:tc>
+                  <a:txBody>
+                    <a:bodyPr/>
+                    <a:lstStyle/>
+                    <a:p>
+                      <a:r>
+                        <a:rPr lang="en-US" sz="3400" b="0" dirty="0"/>
+                        <a:t>White</a:t>
+                      </a:r>
+                      <a:endParaRPr lang="LID4096" sz="3400" b="0" dirty="0"/>
+                    </a:p>
+                  </a:txBody>
+                  <a:tcPr/>
+                </a:tc>
+                <a:tc>
+                  <a:txBody>
+                    <a:bodyPr/>
+                    <a:lstStyle/>
+                    <a:p>
+                      <a:r>
+                        <a:rPr lang="en-US" sz="3400" b="0" dirty="0"/>
+                        <a:t>92,723</a:t>
+                      </a:r>
+                      <a:endParaRPr lang="LID4096" sz="3400" b="0" dirty="0"/>
+                    </a:p>
+                  </a:txBody>
+                  <a:tcPr/>
+                </a:tc>
+                <a:tc>
+                  <a:txBody>
+                    <a:bodyPr/>
+                    <a:lstStyle/>
+                    <a:p>
+                      <a:r>
+                        <a:rPr lang="en-US" sz="3400" b="0" dirty="0"/>
+                        <a:t>8,951 (8,762, 9,143)</a:t>
+                      </a:r>
+                      <a:endParaRPr lang="LID4096" sz="3400" b="0" dirty="0"/>
+                    </a:p>
+                  </a:txBody>
+                  <a:tcPr/>
+                </a:tc>
+                <a:tc>
+                  <a:txBody>
+                    <a:bodyPr/>
+                    <a:lstStyle/>
+                    <a:p>
+                      <a:r>
+                        <a:rPr lang="en-001" sz="3400" dirty="0"/>
+                        <a:t>101,674 (101,485, 101,866)</a:t>
+                      </a:r>
+                      <a:endParaRPr lang="en-US" sz="3400" b="0" dirty="0"/>
+                    </a:p>
+                  </a:txBody>
+                  <a:tcPr/>
+                </a:tc>
+                <a:extLst>
+                  <a:ext uri="{0D108BD9-81ED-4DB2-BD59-A6C34878D82A}">
+                    <a16:rowId xmlns:a16="http://schemas.microsoft.com/office/drawing/2014/main" val="2760625276"/>
+                  </a:ext>
+                </a:extLst>
+              </a:tr>
+              <a:tr h="924380">
+                <a:tc>
+                  <a:txBody>
+                    <a:bodyPr/>
+                    <a:lstStyle/>
+                    <a:p>
+                      <a:r>
+                        <a:rPr lang="en-US" sz="3400" b="0" dirty="0"/>
+                        <a:t>Hispanic</a:t>
+                      </a:r>
+                      <a:endParaRPr lang="LID4096" sz="3400" b="0" dirty="0"/>
+                    </a:p>
+                  </a:txBody>
+                  <a:tcPr/>
+                </a:tc>
+                <a:tc>
+                  <a:txBody>
+                    <a:bodyPr/>
+                    <a:lstStyle/>
+                    <a:p>
+                      <a:r>
+                        <a:rPr lang="en-US" sz="3400" b="0" dirty="0"/>
+                        <a:t>14,829</a:t>
+                      </a:r>
+                      <a:endParaRPr lang="LID4096" sz="3400" b="0" dirty="0"/>
+                    </a:p>
+                  </a:txBody>
+                  <a:tcPr/>
+                </a:tc>
+                <a:tc>
+                  <a:txBody>
+                    <a:bodyPr/>
+                    <a:lstStyle/>
+                    <a:p>
+                      <a:r>
+                        <a:rPr lang="en-US" sz="3400" b="0" dirty="0"/>
+                        <a:t>1,287 (1,219, 1,357)</a:t>
+                      </a:r>
+                      <a:endParaRPr lang="LID4096" sz="3400" b="0" dirty="0"/>
+                    </a:p>
+                  </a:txBody>
+                  <a:tcPr/>
+                </a:tc>
+                <a:tc>
+                  <a:txBody>
+                    <a:bodyPr/>
+                    <a:lstStyle/>
+                    <a:p>
+                      <a:r>
+                        <a:rPr lang="en-001" sz="3400" dirty="0"/>
+                        <a:t>16,116 (16,048, 16,186)</a:t>
+                      </a:r>
+                      <a:endParaRPr lang="en-US" sz="3400" b="0" dirty="0"/>
+                    </a:p>
+                  </a:txBody>
+                  <a:tcPr/>
+                </a:tc>
+                <a:extLst>
+                  <a:ext uri="{0D108BD9-81ED-4DB2-BD59-A6C34878D82A}">
+                    <a16:rowId xmlns:a16="http://schemas.microsoft.com/office/drawing/2014/main" val="1748953973"/>
+                  </a:ext>
+                </a:extLst>
+              </a:tr>
+              <a:tr h="924380">
+                <a:tc>
+                  <a:txBody>
+                    <a:bodyPr/>
+                    <a:lstStyle/>
+                    <a:p>
+                      <a:r>
+                        <a:rPr lang="en-US" sz="3400" b="0" dirty="0"/>
+                        <a:t>Black</a:t>
+                      </a:r>
+                      <a:endParaRPr lang="LID4096" sz="3400" b="0" dirty="0"/>
+                    </a:p>
+                  </a:txBody>
+                  <a:tcPr/>
+                </a:tc>
+                <a:tc>
+                  <a:txBody>
+                    <a:bodyPr/>
+                    <a:lstStyle/>
+                    <a:p>
+                      <a:r>
+                        <a:rPr lang="en-US" sz="3400" b="0" dirty="0"/>
+                        <a:t>7,851</a:t>
+                      </a:r>
+                      <a:endParaRPr lang="LID4096" sz="3400" b="0" dirty="0"/>
+                    </a:p>
+                  </a:txBody>
+                  <a:tcPr/>
+                </a:tc>
+                <a:tc>
+                  <a:txBody>
+                    <a:bodyPr/>
+                    <a:lstStyle/>
+                    <a:p>
+                      <a:r>
+                        <a:rPr lang="en-US" sz="3400" b="0" dirty="0"/>
+                        <a:t>881 (823, 944)</a:t>
+                      </a:r>
+                      <a:endParaRPr lang="LID4096" sz="3400" b="0" dirty="0"/>
+                    </a:p>
+                  </a:txBody>
+                  <a:tcPr/>
+                </a:tc>
+                <a:tc>
+                  <a:txBody>
+                    <a:bodyPr/>
+                    <a:lstStyle/>
+                    <a:p>
+                      <a:r>
+                        <a:rPr lang="en-001" sz="3400" dirty="0"/>
+                        <a:t>8,732 (8,674, 8,795)</a:t>
+                      </a:r>
+                      <a:endParaRPr lang="en-US" sz="3400" b="0" dirty="0"/>
+                    </a:p>
+                  </a:txBody>
+                  <a:tcPr/>
+                </a:tc>
+                <a:extLst>
+                  <a:ext uri="{0D108BD9-81ED-4DB2-BD59-A6C34878D82A}">
+                    <a16:rowId xmlns:a16="http://schemas.microsoft.com/office/drawing/2014/main" val="3034137882"/>
+                  </a:ext>
+                </a:extLst>
+              </a:tr>
+              <a:tr h="924380">
+                <a:tc>
+                  <a:txBody>
+                    <a:bodyPr/>
+                    <a:lstStyle/>
+                    <a:p>
+                      <a:r>
+                        <a:rPr lang="en-US" sz="3400" b="0" dirty="0"/>
+                        <a:t>Asian/PI</a:t>
+                      </a:r>
+                      <a:endParaRPr lang="LID4096" sz="3400" b="0" dirty="0"/>
+                    </a:p>
+                  </a:txBody>
+                  <a:tcPr/>
+                </a:tc>
+                <a:tc>
+                  <a:txBody>
+                    <a:bodyPr/>
+                    <a:lstStyle/>
+                    <a:p>
+                      <a:r>
+                        <a:rPr lang="en-US" sz="3400" b="0" dirty="0"/>
+                        <a:t>495</a:t>
+                      </a:r>
+                      <a:endParaRPr lang="LID4096" sz="3400" b="0" dirty="0"/>
+                    </a:p>
+                  </a:txBody>
+                  <a:tcPr/>
+                </a:tc>
+                <a:tc>
+                  <a:txBody>
+                    <a:bodyPr/>
+                    <a:lstStyle/>
+                    <a:p>
+                      <a:r>
+                        <a:rPr lang="en-US" sz="3400" b="0" dirty="0"/>
+                        <a:t>124 (98, 155)</a:t>
+                      </a:r>
+                      <a:endParaRPr lang="LID4096" sz="3400" b="0" dirty="0"/>
+                    </a:p>
+                  </a:txBody>
+                  <a:tcPr/>
+                </a:tc>
+                <a:tc>
+                  <a:txBody>
+                    <a:bodyPr/>
+                    <a:lstStyle/>
+                    <a:p>
+                      <a:r>
+                        <a:rPr lang="en-001" sz="3400" dirty="0"/>
+                        <a:t>619 (593, 650)</a:t>
+                      </a:r>
+                      <a:endParaRPr lang="en-US" sz="3400" b="0" dirty="0"/>
+                    </a:p>
+                  </a:txBody>
+                  <a:tcPr/>
+                </a:tc>
+                <a:extLst>
+                  <a:ext uri="{0D108BD9-81ED-4DB2-BD59-A6C34878D82A}">
+                    <a16:rowId xmlns:a16="http://schemas.microsoft.com/office/drawing/2014/main" val="458969612"/>
+                  </a:ext>
+                </a:extLst>
+              </a:tr>
+              <a:tr h="924380">
+                <a:tc>
+                  <a:txBody>
+                    <a:bodyPr/>
+                    <a:lstStyle/>
+                    <a:p>
+                      <a:r>
+                        <a:rPr lang="en-US" sz="3400" b="0" dirty="0"/>
+                        <a:t>Other</a:t>
+                      </a:r>
+                      <a:endParaRPr lang="LID4096" sz="3400" b="0" dirty="0"/>
+                    </a:p>
+                  </a:txBody>
+                  <a:tcPr/>
+                </a:tc>
+                <a:tc>
+                  <a:txBody>
+                    <a:bodyPr/>
+                    <a:lstStyle/>
+                    <a:p>
+                      <a:r>
+                        <a:rPr lang="en-US" sz="3400" b="0" dirty="0"/>
+                        <a:t>1,440</a:t>
+                      </a:r>
+                      <a:endParaRPr lang="LID4096" sz="3400" b="0" dirty="0"/>
+                    </a:p>
+                  </a:txBody>
+                  <a:tcPr/>
+                </a:tc>
+                <a:tc>
+                  <a:txBody>
+                    <a:bodyPr/>
+                    <a:lstStyle/>
+                    <a:p>
+                      <a:r>
+                        <a:rPr lang="en-US" sz="3400" b="0" dirty="0"/>
+                        <a:t>283 (245, 326)</a:t>
+                      </a:r>
+                      <a:endParaRPr lang="LID4096" sz="3400" b="0" dirty="0"/>
+                    </a:p>
+                  </a:txBody>
+                  <a:tcPr/>
+                </a:tc>
+                <a:tc>
+                  <a:txBody>
+                    <a:bodyPr/>
+                    <a:lstStyle/>
+                    <a:p>
+                      <a:r>
+                        <a:rPr lang="en-001" sz="3400" dirty="0"/>
+                        <a:t>1,723 (1,685, 1,766)</a:t>
+                      </a:r>
+                      <a:endParaRPr lang="en-US" sz="3400" b="0" dirty="0"/>
+                    </a:p>
+                  </a:txBody>
+                  <a:tcPr/>
+                </a:tc>
+                <a:extLst>
+                  <a:ext uri="{0D108BD9-81ED-4DB2-BD59-A6C34878D82A}">
+                    <a16:rowId xmlns:a16="http://schemas.microsoft.com/office/drawing/2014/main" val="3790059149"/>
                   </a:ext>
                 </a:extLst>
               </a:tr>
@@ -4403,6 +4889,42 @@
           </a:graphicData>
         </a:graphic>
       </p:graphicFrame>
+      <p:pic>
+        <p:nvPicPr>
+          <p:cNvPr id="11" name="Picture 10" descr="A qr code on a white background&#10;&#10;Description automatically generated">
+            <a:extLst>
+              <a:ext uri="{FF2B5EF4-FFF2-40B4-BE49-F238E27FC236}">
+                <a16:creationId xmlns:a16="http://schemas.microsoft.com/office/drawing/2014/main" id="{819BD5BB-3D48-F29B-05D6-6ABE18464600}"/>
+              </a:ext>
+            </a:extLst>
+          </p:cNvPr>
+          <p:cNvPicPr>
+            <a:picLocks noChangeAspect="1"/>
+          </p:cNvPicPr>
+          <p:nvPr/>
+        </p:nvPicPr>
+        <p:blipFill>
+          <a:blip r:embed="rId9">
+            <a:extLst>
+              <a:ext uri="{28A0092B-C50C-407E-A947-70E740481C1C}">
+                <a14:useLocalDpi xmlns:a14="http://schemas.microsoft.com/office/drawing/2010/main" val="0"/>
+              </a:ext>
+            </a:extLst>
+          </a:blip>
+          <a:stretch>
+            <a:fillRect/>
+          </a:stretch>
+        </p:blipFill>
+        <p:spPr>
+          <a:xfrm>
+            <a:off x="26589038" y="38789379"/>
+            <a:ext cx="2857500" cy="2857500"/>
+          </a:xfrm>
+          <a:prstGeom prst="rect">
+            <a:avLst/>
+          </a:prstGeom>
+        </p:spPr>
+      </p:pic>
     </p:spTree>
     <p:extLst>
       <p:ext uri="{BB962C8B-B14F-4D97-AF65-F5344CB8AC3E}">
@@ -5047,11 +5569,12 @@
 </file>
 
 <file path=customXml/item1.xml><?xml version="1.0" encoding="utf-8"?>
-<p:properties xmlns:p="http://schemas.microsoft.com/office/2006/metadata/properties" xmlns:xsi="http://www.w3.org/2001/XMLSchema-instance" xmlns:pc="http://schemas.microsoft.com/office/infopath/2007/PartnerControls">
-  <documentManagement>
-    <_activity xmlns="a26ba5a4-dc13-4f1e-aecf-f7e657dee8a6" xsi:nil="true"/>
-  </documentManagement>
-</p:properties>
+<?mso-contentType ?>
+<FormTemplates xmlns="http://schemas.microsoft.com/sharepoint/v3/contenttype/forms">
+  <Display>DocumentLibraryForm</Display>
+  <Edit>DocumentLibraryForm</Edit>
+  <New>DocumentLibraryForm</New>
+</FormTemplates>
 </file>
 
 <file path=customXml/item2.xml><?xml version="1.0" encoding="utf-8"?>
@@ -5270,27 +5793,17 @@
 </file>
 
 <file path=customXml/item3.xml><?xml version="1.0" encoding="utf-8"?>
-<?mso-contentType ?>
-<FormTemplates xmlns="http://schemas.microsoft.com/sharepoint/v3/contenttype/forms">
-  <Display>DocumentLibraryForm</Display>
-  <Edit>DocumentLibraryForm</Edit>
-  <New>DocumentLibraryForm</New>
-</FormTemplates>
+<p:properties xmlns:p="http://schemas.microsoft.com/office/2006/metadata/properties" xmlns:xsi="http://www.w3.org/2001/XMLSchema-instance" xmlns:pc="http://schemas.microsoft.com/office/infopath/2007/PartnerControls">
+  <documentManagement>
+    <_activity xmlns="a26ba5a4-dc13-4f1e-aecf-f7e657dee8a6" xsi:nil="true"/>
+  </documentManagement>
+</p:properties>
 </file>
 
 <file path=customXml/itemProps1.xml><?xml version="1.0" encoding="utf-8"?>
-<ds:datastoreItem xmlns:ds="http://schemas.openxmlformats.org/officeDocument/2006/customXml" ds:itemID="{1C1A2FBD-ED05-471F-AE6A-779A5CA194C5}">
+<ds:datastoreItem xmlns:ds="http://schemas.openxmlformats.org/officeDocument/2006/customXml" ds:itemID="{3783BBC4-ED4A-4B64-9F7C-4A7EF0EFBA93}">
   <ds:schemaRefs>
-    <ds:schemaRef ds:uri="http://www.w3.org/XML/1998/namespace"/>
-    <ds:schemaRef ds:uri="http://purl.org/dc/dcmitype/"/>
-    <ds:schemaRef ds:uri="http://schemas.microsoft.com/office/infopath/2007/PartnerControls"/>
-    <ds:schemaRef ds:uri="http://purl.org/dc/elements/1.1/"/>
-    <ds:schemaRef ds:uri="http://schemas.openxmlformats.org/package/2006/metadata/core-properties"/>
-    <ds:schemaRef ds:uri="http://schemas.microsoft.com/office/2006/metadata/properties"/>
-    <ds:schemaRef ds:uri="http://schemas.microsoft.com/office/2006/documentManagement/types"/>
-    <ds:schemaRef ds:uri="0f87e38d-5a79-4823-9784-f16a8415b53b"/>
-    <ds:schemaRef ds:uri="a26ba5a4-dc13-4f1e-aecf-f7e657dee8a6"/>
-    <ds:schemaRef ds:uri="http://purl.org/dc/terms/"/>
+    <ds:schemaRef ds:uri="http://schemas.microsoft.com/sharepoint/v3/contenttype/forms"/>
   </ds:schemaRefs>
 </ds:datastoreItem>
 </file>
@@ -5315,9 +5828,18 @@
 </file>
 
 <file path=customXml/itemProps3.xml><?xml version="1.0" encoding="utf-8"?>
-<ds:datastoreItem xmlns:ds="http://schemas.openxmlformats.org/officeDocument/2006/customXml" ds:itemID="{3783BBC4-ED4A-4B64-9F7C-4A7EF0EFBA93}">
+<ds:datastoreItem xmlns:ds="http://schemas.openxmlformats.org/officeDocument/2006/customXml" ds:itemID="{1C1A2FBD-ED05-471F-AE6A-779A5CA194C5}">
   <ds:schemaRefs>
-    <ds:schemaRef ds:uri="http://schemas.microsoft.com/sharepoint/v3/contenttype/forms"/>
+    <ds:schemaRef ds:uri="http://purl.org/dc/elements/1.1/"/>
+    <ds:schemaRef ds:uri="0f87e38d-5a79-4823-9784-f16a8415b53b"/>
+    <ds:schemaRef ds:uri="http://purl.org/dc/terms/"/>
+    <ds:schemaRef ds:uri="http://purl.org/dc/dcmitype/"/>
+    <ds:schemaRef ds:uri="http://schemas.microsoft.com/office/2006/metadata/properties"/>
+    <ds:schemaRef ds:uri="http://schemas.microsoft.com/office/2006/documentManagement/types"/>
+    <ds:schemaRef ds:uri="a26ba5a4-dc13-4f1e-aecf-f7e657dee8a6"/>
+    <ds:schemaRef ds:uri="http://schemas.microsoft.com/office/infopath/2007/PartnerControls"/>
+    <ds:schemaRef ds:uri="http://schemas.openxmlformats.org/package/2006/metadata/core-properties"/>
+    <ds:schemaRef ds:uri="http://www.w3.org/XML/1998/namespace"/>
   </ds:schemaRefs>
 </ds:datastoreItem>
 </file>

--- a/ConferenceMaterials/CRCSimPoster.pptx
+++ b/ConferenceMaterials/CRCSimPoster.pptx
@@ -211,7 +211,7 @@
           <a:p>
             <a:fld id="{4EE9FA2A-A7E6-41D0-BB84-0AFCD146FB8A}" type="datetimeFigureOut">
               <a:rPr lang="LID4096" smtClean="0"/>
-              <a:t>09/26/2024</a:t>
+              <a:t>9/30/24</a:t>
             </a:fld>
             <a:endParaRPr lang="LID4096"/>
           </a:p>
@@ -534,6 +534,15 @@
               <a:rPr lang="en-US" dirty="0"/>
               <a:t>In the simulation, this fluctuation did not make much of a difference; however, the graphics produced on the right are the result of REMOVING values between 1:10.</a:t>
             </a:r>
+          </a:p>
+          <a:p>
+            <a:endParaRPr lang="en-US" dirty="0"/>
+          </a:p>
+          <a:p>
+            <a:r>
+              <a:rPr lang="en-US" dirty="0"/>
+              <a:t>Subtitle = Stratified over groups of varying sizes</a:t>
+            </a:r>
             <a:endParaRPr lang="LID4096"/>
           </a:p>
         </p:txBody>
@@ -705,7 +714,7 @@
           <a:p>
             <a:fld id="{1ECD7612-8A31-47AD-A3A1-315987FDDB64}" type="datetimeFigureOut">
               <a:rPr lang="LID4096" smtClean="0"/>
-              <a:t>09/26/2024</a:t>
+              <a:t>9/30/24</a:t>
             </a:fld>
             <a:endParaRPr lang="LID4096"/>
           </a:p>
@@ -875,7 +884,7 @@
           <a:p>
             <a:fld id="{1ECD7612-8A31-47AD-A3A1-315987FDDB64}" type="datetimeFigureOut">
               <a:rPr lang="LID4096" smtClean="0"/>
-              <a:t>09/26/2024</a:t>
+              <a:t>9/30/24</a:t>
             </a:fld>
             <a:endParaRPr lang="LID4096"/>
           </a:p>
@@ -1055,7 +1064,7 @@
           <a:p>
             <a:fld id="{1ECD7612-8A31-47AD-A3A1-315987FDDB64}" type="datetimeFigureOut">
               <a:rPr lang="LID4096" smtClean="0"/>
-              <a:t>09/26/2024</a:t>
+              <a:t>9/30/24</a:t>
             </a:fld>
             <a:endParaRPr lang="LID4096"/>
           </a:p>
@@ -1225,7 +1234,7 @@
           <a:p>
             <a:fld id="{1ECD7612-8A31-47AD-A3A1-315987FDDB64}" type="datetimeFigureOut">
               <a:rPr lang="LID4096" smtClean="0"/>
-              <a:t>09/26/2024</a:t>
+              <a:t>9/30/24</a:t>
             </a:fld>
             <a:endParaRPr lang="LID4096"/>
           </a:p>
@@ -1471,7 +1480,7 @@
           <a:p>
             <a:fld id="{1ECD7612-8A31-47AD-A3A1-315987FDDB64}" type="datetimeFigureOut">
               <a:rPr lang="LID4096" smtClean="0"/>
-              <a:t>09/26/2024</a:t>
+              <a:t>9/30/24</a:t>
             </a:fld>
             <a:endParaRPr lang="LID4096"/>
           </a:p>
@@ -1703,7 +1712,7 @@
           <a:p>
             <a:fld id="{1ECD7612-8A31-47AD-A3A1-315987FDDB64}" type="datetimeFigureOut">
               <a:rPr lang="LID4096" smtClean="0"/>
-              <a:t>09/26/2024</a:t>
+              <a:t>9/30/24</a:t>
             </a:fld>
             <a:endParaRPr lang="LID4096"/>
           </a:p>
@@ -2070,7 +2079,7 @@
           <a:p>
             <a:fld id="{1ECD7612-8A31-47AD-A3A1-315987FDDB64}" type="datetimeFigureOut">
               <a:rPr lang="LID4096" smtClean="0"/>
-              <a:t>09/26/2024</a:t>
+              <a:t>9/30/24</a:t>
             </a:fld>
             <a:endParaRPr lang="LID4096"/>
           </a:p>
@@ -2188,7 +2197,7 @@
           <a:p>
             <a:fld id="{1ECD7612-8A31-47AD-A3A1-315987FDDB64}" type="datetimeFigureOut">
               <a:rPr lang="LID4096" smtClean="0"/>
-              <a:t>09/26/2024</a:t>
+              <a:t>9/30/24</a:t>
             </a:fld>
             <a:endParaRPr lang="LID4096"/>
           </a:p>
@@ -2283,7 +2292,7 @@
           <a:p>
             <a:fld id="{1ECD7612-8A31-47AD-A3A1-315987FDDB64}" type="datetimeFigureOut">
               <a:rPr lang="LID4096" smtClean="0"/>
-              <a:t>09/26/2024</a:t>
+              <a:t>9/30/24</a:t>
             </a:fld>
             <a:endParaRPr lang="LID4096"/>
           </a:p>
@@ -2560,7 +2569,7 @@
           <a:p>
             <a:fld id="{1ECD7612-8A31-47AD-A3A1-315987FDDB64}" type="datetimeFigureOut">
               <a:rPr lang="LID4096" smtClean="0"/>
-              <a:t>09/26/2024</a:t>
+              <a:t>9/30/24</a:t>
             </a:fld>
             <a:endParaRPr lang="LID4096"/>
           </a:p>
@@ -2817,7 +2826,7 @@
           <a:p>
             <a:fld id="{1ECD7612-8A31-47AD-A3A1-315987FDDB64}" type="datetimeFigureOut">
               <a:rPr lang="LID4096" smtClean="0"/>
-              <a:t>09/26/2024</a:t>
+              <a:t>9/30/24</a:t>
             </a:fld>
             <a:endParaRPr lang="LID4096"/>
           </a:p>
@@ -3030,7 +3039,7 @@
           <a:p>
             <a:fld id="{1ECD7612-8A31-47AD-A3A1-315987FDDB64}" type="datetimeFigureOut">
               <a:rPr lang="LID4096" smtClean="0"/>
-              <a:t>09/26/2024</a:t>
+              <a:t>9/30/24</a:t>
             </a:fld>
             <a:endParaRPr lang="LID4096"/>
           </a:p>
@@ -3598,7 +3607,7 @@
         <p:spPr>
           <a:xfrm>
             <a:off x="507206" y="7716100"/>
-            <a:ext cx="14180344" cy="5173284"/>
+            <a:ext cx="14180344" cy="4780700"/>
           </a:xfrm>
           <a:prstGeom prst="roundRect">
             <a:avLst>
@@ -3665,7 +3674,7 @@
                 <a:latin typeface="Calibri" panose="020F0502020204030204" pitchFamily="34" charset="0"/>
                 <a:cs typeface="Calibri" panose="020F0502020204030204" pitchFamily="34" charset="0"/>
               </a:rPr>
-              <a:t>improve multiple systems capture-recapture estimation - a method for estimating the number of people who use opioids living in a jurisdiction while addressing underreporting in surveillance, particularly in demographics where data may be increasingly sparse.</a:t>
+              <a:t>investigate multiple systems estimation - a method for estimating the number of people who use opioids living in a jurisdiction while addressing underreporting in surveillance, particularly in demographics where data may be increasingly sparse.</a:t>
             </a:r>
           </a:p>
         </p:txBody>
@@ -3827,8 +3836,8 @@
         </p:nvSpPr>
         <p:spPr>
           <a:xfrm>
-            <a:off x="507206" y="19219718"/>
-            <a:ext cx="14180344" cy="6680662"/>
+            <a:off x="507206" y="21336117"/>
+            <a:ext cx="14180344" cy="6772697"/>
           </a:xfrm>
           <a:prstGeom prst="roundRect">
             <a:avLst>
@@ -3883,7 +3892,32 @@
             </a:endParaRPr>
           </a:p>
           <a:p>
-            <a:pPr marL="857250" indent="-857250">
+            <a:pPr marL="571500" marR="0" indent="-571500">
+              <a:spcBef>
+                <a:spcPts val="0"/>
+              </a:spcBef>
+              <a:spcAft>
+                <a:spcPts val="0"/>
+              </a:spcAft>
+              <a:buFont typeface="Arial" panose="020B0604020202020204" pitchFamily="34" charset="0"/>
+              <a:buChar char="•"/>
+            </a:pPr>
+            <a:r>
+              <a:rPr lang="en-US" sz="4000" dirty="0">
+                <a:latin typeface="Calibri" panose="020F0502020204030204" pitchFamily="34" charset="0"/>
+                <a:cs typeface="Calibri" panose="020F0502020204030204" pitchFamily="34" charset="0"/>
+              </a:rPr>
+              <a:t>(Top) Bootstrapping across multiple datasets demonstrates a convergence towards the ground truth, suggesting that in scenarios of single model failure, analogous models are likely sufficient to maintain accuracy and reliability.</a:t>
+            </a:r>
+          </a:p>
+          <a:p>
+            <a:pPr marL="571500" marR="0" indent="-571500">
+              <a:spcBef>
+                <a:spcPts val="0"/>
+              </a:spcBef>
+              <a:spcAft>
+                <a:spcPts val="0"/>
+              </a:spcAft>
               <a:buFont typeface="Arial" panose="020B0604020202020204" pitchFamily="34" charset="0"/>
               <a:buChar char="•"/>
             </a:pPr>
@@ -3895,11 +3929,17 @@
                 <a:latin typeface="Calibri" panose="020F0502020204030204" pitchFamily="34" charset="0"/>
                 <a:cs typeface="Calibri" panose="020F0502020204030204" pitchFamily="34" charset="0"/>
               </a:rPr>
-              <a:t>As populations become small, single point estimation using capture recapture loses accuracy showing a potential lack of robustness with respect to capture histories and population size; however, this lack of robustness can be addressed through bootstrapping estimations</a:t>
-            </a:r>
-          </a:p>
-          <a:p>
-            <a:pPr marL="857250" indent="-857250">
+              <a:t>(Bottom) Bootstrapped backward-stepwise NB models can recover the empirical ground truth at the cost of wide bounds.</a:t>
+            </a:r>
+          </a:p>
+          <a:p>
+            <a:pPr marL="571500" marR="0" indent="-571500">
+              <a:spcBef>
+                <a:spcPts val="0"/>
+              </a:spcBef>
+              <a:spcAft>
+                <a:spcPts val="0"/>
+              </a:spcAft>
               <a:buFont typeface="Arial" panose="020B0604020202020204" pitchFamily="34" charset="0"/>
               <a:buChar char="•"/>
             </a:pPr>
@@ -3911,7 +3951,7 @@
                 <a:latin typeface="Calibri" panose="020F0502020204030204" pitchFamily="34" charset="0"/>
                 <a:cs typeface="Calibri" panose="020F0502020204030204" pitchFamily="34" charset="0"/>
               </a:rPr>
-              <a:t>This indicates that, with bootstrap methods, we can recover the true prevalence of opioid use disorder in situations where data on certain demographics is sparse.</a:t>
+              <a:t>When estimating MA prevalence for opioid use disorder, the 95% confidence intervals between the two overall estimates between the stratifications were overlapping.</a:t>
             </a:r>
           </a:p>
         </p:txBody>
@@ -3930,8 +3970,8 @@
         </p:nvSpPr>
         <p:spPr>
           <a:xfrm>
-            <a:off x="507206" y="26122210"/>
-            <a:ext cx="14180344" cy="6011330"/>
+            <a:off x="507206" y="28437840"/>
+            <a:ext cx="14180344" cy="3233651"/>
           </a:xfrm>
           <a:prstGeom prst="roundRect">
             <a:avLst>
@@ -3990,22 +4030,6 @@
               <a:buChar char="•"/>
             </a:pPr>
             <a:r>
-              <a:rPr lang="en-US" sz="4000" dirty="0"/>
-              <a:t>(Top) Bootstrapping across multiple datasets demonstrates a convergence towards the ground truth, suggesting that in scenarios of single model failure, analogous models are likely sufficient to maintain accuracy and reliability</a:t>
-            </a:r>
-          </a:p>
-          <a:p>
-            <a:pPr marL="571500" marR="0" indent="-571500">
-              <a:spcBef>
-                <a:spcPts val="0"/>
-              </a:spcBef>
-              <a:spcAft>
-                <a:spcPts val="0"/>
-              </a:spcAft>
-              <a:buFont typeface="Arial" panose="020B0604020202020204" pitchFamily="34" charset="0"/>
-              <a:buChar char="•"/>
-            </a:pPr>
-            <a:r>
               <a:rPr lang="en-US" sz="4000" dirty="0">
                 <a:solidFill>
                   <a:schemeClr val="bg1"/>
@@ -4013,6 +4037,7 @@
                 <a:effectLst/>
                 <a:latin typeface="Calibri" panose="020F0502020204030204" pitchFamily="34" charset="0"/>
                 <a:ea typeface="Times New Roman" panose="02020603050405020304" pitchFamily="18" charset="0"/>
+                <a:cs typeface="Calibri" panose="020F0502020204030204" pitchFamily="34" charset="0"/>
               </a:rPr>
               <a:t>(Bottom) When </a:t>
             </a:r>
@@ -4023,36 +4048,18 @@
                 </a:solidFill>
                 <a:latin typeface="Calibri" panose="020F0502020204030204" pitchFamily="34" charset="0"/>
                 <a:ea typeface="Times New Roman" panose="02020603050405020304" pitchFamily="18" charset="0"/>
+                <a:cs typeface="Calibri" panose="020F0502020204030204" pitchFamily="34" charset="0"/>
               </a:rPr>
-              <a:t>emulating our dataset of interest – the Massachusetts Public Health Database, and bootstrapping over small counts, Negative Binomial estimates using backward step-wise MSPs </a:t>
-            </a:r>
-            <a:r>
-              <a:rPr lang="en-US" sz="4000">
-                <a:solidFill>
-                  <a:schemeClr val="bg1"/>
-                </a:solidFill>
-                <a:latin typeface="Calibri" panose="020F0502020204030204" pitchFamily="34" charset="0"/>
-                <a:ea typeface="Times New Roman" panose="02020603050405020304" pitchFamily="18" charset="0"/>
-              </a:rPr>
-              <a:t>better estimated </a:t>
-            </a:r>
-            <a:r>
-              <a:rPr lang="en-US" sz="4000" dirty="0">
-                <a:solidFill>
-                  <a:schemeClr val="bg1"/>
-                </a:solidFill>
-                <a:latin typeface="Calibri" panose="020F0502020204030204" pitchFamily="34" charset="0"/>
-                <a:ea typeface="Times New Roman" panose="02020603050405020304" pitchFamily="18" charset="0"/>
-              </a:rPr>
-              <a:t>the true prevalence.</a:t>
+              <a:t>emulating a dataset, and bootstrapping over small counts, Negative Binomial estimates using backward step-wise MSPs better estimated the true prevalence.</a:t>
             </a:r>
             <a:endParaRPr lang="en-US" sz="4000" dirty="0">
               <a:solidFill>
                 <a:schemeClr val="bg1"/>
               </a:solidFill>
               <a:effectLst/>
-              <a:latin typeface="Times New Roman" panose="02020603050405020304" pitchFamily="18" charset="0"/>
+              <a:latin typeface="Calibri" panose="020F0502020204030204" pitchFamily="34" charset="0"/>
               <a:ea typeface="Times New Roman" panose="02020603050405020304" pitchFamily="18" charset="0"/>
+              <a:cs typeface="Calibri" panose="020F0502020204030204" pitchFamily="34" charset="0"/>
             </a:endParaRPr>
           </a:p>
         </p:txBody>
@@ -4071,7 +4078,7 @@
         </p:nvSpPr>
         <p:spPr>
           <a:xfrm>
-            <a:off x="507206" y="32443861"/>
+            <a:off x="507206" y="32000517"/>
             <a:ext cx="14180344" cy="10048344"/>
           </a:xfrm>
           <a:prstGeom prst="roundRect">
@@ -4170,8 +4177,8 @@
         </p:nvSpPr>
         <p:spPr>
           <a:xfrm>
-            <a:off x="507206" y="13339814"/>
-            <a:ext cx="14180344" cy="5619974"/>
+            <a:off x="507206" y="12825310"/>
+            <a:ext cx="14180344" cy="8200485"/>
           </a:xfrm>
           <a:prstGeom prst="roundRect">
             <a:avLst>
@@ -4228,7 +4235,20 @@
                 <a:latin typeface="Calibri" panose="020F0502020204030204" pitchFamily="34" charset="0"/>
                 <a:cs typeface="Calibri" panose="020F0502020204030204" pitchFamily="34" charset="0"/>
               </a:rPr>
-              <a:t>A population was created with simulated capture histories and demographic information, then we examined the accuracy of estimates between Poisson and Negative Binomial (NB) distributions with log-linear models.</a:t>
+              <a:t>A population was created with simulated capture histories of six data sources and demographic information.</a:t>
+            </a:r>
+          </a:p>
+          <a:p>
+            <a:pPr marL="857250" indent="-857250">
+              <a:buFont typeface="Arial" panose="020B0604020202020204" pitchFamily="34" charset="0"/>
+              <a:buChar char="•"/>
+            </a:pPr>
+            <a:r>
+              <a:rPr lang="en-US" sz="4000" dirty="0">
+                <a:latin typeface="Calibri" panose="020F0502020204030204" pitchFamily="34" charset="0"/>
+                <a:cs typeface="Calibri" panose="020F0502020204030204" pitchFamily="34" charset="0"/>
+              </a:rPr>
+              <a:t>We examined different model selection procedures (MSP) between Poisson and Negative Binomial (NB) distributions with log-linear models.</a:t>
             </a:r>
           </a:p>
           <a:p>
@@ -4244,47 +4264,27 @@
                 <a:latin typeface="Calibri" panose="020F0502020204030204" pitchFamily="34" charset="0"/>
                 <a:cs typeface="Calibri" panose="020F0502020204030204" pitchFamily="34" charset="0"/>
               </a:rPr>
-              <a:t>Model efficacy was benchmarked by comparing model estimates against the simulated ground truth.</a:t>
-            </a:r>
-          </a:p>
-        </p:txBody>
-      </p:sp>
-      <p:pic>
-        <p:nvPicPr>
-          <p:cNvPr id="21" name="Picture 20" descr="A graph of a number of data&#10;&#10;Description automatically generated with medium confidence">
-            <a:extLst>
-              <a:ext uri="{FF2B5EF4-FFF2-40B4-BE49-F238E27FC236}">
-                <a16:creationId xmlns:a16="http://schemas.microsoft.com/office/drawing/2014/main" id="{993122F1-027C-8741-9D7B-8F8804917DE7}"/>
-              </a:ext>
-            </a:extLst>
-          </p:cNvPr>
-          <p:cNvPicPr>
-            <a:picLocks noChangeAspect="1"/>
-          </p:cNvPicPr>
-          <p:nvPr/>
-        </p:nvPicPr>
-        <p:blipFill>
-          <a:blip r:embed="rId7">
-            <a:extLst>
-              <a:ext uri="{28A0092B-C50C-407E-A947-70E740481C1C}">
-                <a14:useLocalDpi xmlns:a14="http://schemas.microsoft.com/office/drawing/2010/main" val="0"/>
-              </a:ext>
-            </a:extLst>
-          </a:blip>
-          <a:stretch>
-            <a:fillRect/>
-          </a:stretch>
-        </p:blipFill>
-        <p:spPr>
-          <a:xfrm>
-            <a:off x="15137606" y="7699208"/>
-            <a:ext cx="14630400" cy="14630400"/>
-          </a:xfrm>
-          <a:prstGeom prst="rect">
-            <a:avLst/>
-          </a:prstGeom>
-        </p:spPr>
-      </p:pic>
+              <a:t>Model efficacy and accuracy was benchmarked by comparing model estimates against the simulated ground truth.</a:t>
+            </a:r>
+          </a:p>
+          <a:p>
+            <a:pPr marL="857250" indent="-857250">
+              <a:buFont typeface="Arial" panose="020B0604020202020204" pitchFamily="34" charset="0"/>
+              <a:buChar char="•"/>
+            </a:pPr>
+            <a:r>
+              <a:rPr lang="en-US" sz="4000" dirty="0">
+                <a:solidFill>
+                  <a:schemeClr val="bg1"/>
+                </a:solidFill>
+                <a:latin typeface="Calibri" panose="020F0502020204030204" pitchFamily="34" charset="0"/>
+                <a:cs typeface="Calibri" panose="020F0502020204030204" pitchFamily="34" charset="0"/>
+              </a:rPr>
+              <a:t>We applied these models, stratified by race and sex separately, to Massachusetts Public Health Data with six data sources to estimate the total prevalence of opioid use disorder in the state.</a:t>
+            </a:r>
+          </a:p>
+        </p:txBody>
+      </p:sp>
       <p:pic>
         <p:nvPicPr>
           <p:cNvPr id="25" name="Picture 24" descr="A graph of a number of people&#10;&#10;Description automatically generated with medium confidence">
@@ -4300,7 +4300,7 @@
           <p:nvPr/>
         </p:nvPicPr>
         <p:blipFill>
-          <a:blip r:embed="rId8">
+          <a:blip r:embed="rId7">
             <a:extLst>
               <a:ext uri="{28A0092B-C50C-407E-A947-70E740481C1C}">
                 <a14:useLocalDpi xmlns:a14="http://schemas.microsoft.com/office/drawing/2010/main" val="0"/>
@@ -4336,13 +4336,13 @@
           <p:nvPr>
             <p:extLst>
               <p:ext uri="{D42A27DB-BD31-4B8C-83A1-F6EECF244321}">
-                <p14:modId xmlns:p14="http://schemas.microsoft.com/office/powerpoint/2010/main" val="3563543030"/>
+                <p14:modId xmlns:p14="http://schemas.microsoft.com/office/powerpoint/2010/main" val="1203287311"/>
               </p:ext>
             </p:extLst>
           </p:nvPr>
         </p:nvGraphicFramePr>
         <p:xfrm>
-          <a:off x="478177" y="34990169"/>
+          <a:off x="445520" y="34592347"/>
           <a:ext cx="14294643" cy="7598420"/>
         </p:xfrm>
         <a:graphic>
@@ -4904,7 +4904,7 @@
           <p:nvPr/>
         </p:nvPicPr>
         <p:blipFill>
-          <a:blip r:embed="rId9">
+          <a:blip r:embed="rId8">
             <a:extLst>
               <a:ext uri="{28A0092B-C50C-407E-A947-70E740481C1C}">
                 <a14:useLocalDpi xmlns:a14="http://schemas.microsoft.com/office/drawing/2010/main" val="0"/>
@@ -4919,6 +4919,42 @@
           <a:xfrm>
             <a:off x="26589038" y="38789379"/>
             <a:ext cx="2857500" cy="2857500"/>
+          </a:xfrm>
+          <a:prstGeom prst="rect">
+            <a:avLst/>
+          </a:prstGeom>
+        </p:spPr>
+      </p:pic>
+      <p:pic>
+        <p:nvPicPr>
+          <p:cNvPr id="12" name="Picture 11" descr="A graph of a number of data&#10;&#10;Description automatically generated with medium confidence">
+            <a:extLst>
+              <a:ext uri="{FF2B5EF4-FFF2-40B4-BE49-F238E27FC236}">
+                <a16:creationId xmlns:a16="http://schemas.microsoft.com/office/drawing/2014/main" id="{7823A7AA-30F1-FB28-7352-0F0AC10322BF}"/>
+              </a:ext>
+            </a:extLst>
+          </p:cNvPr>
+          <p:cNvPicPr>
+            <a:picLocks noChangeAspect="1"/>
+          </p:cNvPicPr>
+          <p:nvPr/>
+        </p:nvPicPr>
+        <p:blipFill>
+          <a:blip r:embed="rId9">
+            <a:extLst>
+              <a:ext uri="{28A0092B-C50C-407E-A947-70E740481C1C}">
+                <a14:useLocalDpi xmlns:a14="http://schemas.microsoft.com/office/drawing/2010/main" val="0"/>
+              </a:ext>
+            </a:extLst>
+          </a:blip>
+          <a:stretch>
+            <a:fillRect/>
+          </a:stretch>
+        </p:blipFill>
+        <p:spPr>
+          <a:xfrm>
+            <a:off x="15137605" y="8071699"/>
+            <a:ext cx="14516101" cy="14516101"/>
           </a:xfrm>
           <a:prstGeom prst="rect">
             <a:avLst/>
@@ -5569,15 +5605,6 @@
 </file>
 
 <file path=customXml/item1.xml><?xml version="1.0" encoding="utf-8"?>
-<?mso-contentType ?>
-<FormTemplates xmlns="http://schemas.microsoft.com/sharepoint/v3/contenttype/forms">
-  <Display>DocumentLibraryForm</Display>
-  <Edit>DocumentLibraryForm</Edit>
-  <New>DocumentLibraryForm</New>
-</FormTemplates>
-</file>
-
-<file path=customXml/item2.xml><?xml version="1.0" encoding="utf-8"?>
 <ct:contentTypeSchema xmlns:ct="http://schemas.microsoft.com/office/2006/metadata/contentType" xmlns:ma="http://schemas.microsoft.com/office/2006/metadata/properties/metaAttributes" ct:_="" ma:_="" ma:contentTypeName="Document" ma:contentTypeID="0x0101006C680F94E0378E4DA547E397E4FF7444" ma:contentTypeVersion="12" ma:contentTypeDescription="Create a new document." ma:contentTypeScope="" ma:versionID="782c13ca70b7bf81073205663ed3c67a">
   <xsd:schema xmlns:xsd="http://www.w3.org/2001/XMLSchema" xmlns:xs="http://www.w3.org/2001/XMLSchema" xmlns:p="http://schemas.microsoft.com/office/2006/metadata/properties" xmlns:ns3="a26ba5a4-dc13-4f1e-aecf-f7e657dee8a6" xmlns:ns4="0f87e38d-5a79-4823-9784-f16a8415b53b" targetNamespace="http://schemas.microsoft.com/office/2006/metadata/properties" ma:root="true" ma:fieldsID="e61f44be2b8b1542ebdf459a5a46f567" ns3:_="" ns4:_="">
     <xsd:import namespace="a26ba5a4-dc13-4f1e-aecf-f7e657dee8a6"/>
@@ -5792,6 +5819,15 @@
 </ct:contentTypeSchema>
 </file>
 
+<file path=customXml/item2.xml><?xml version="1.0" encoding="utf-8"?>
+<?mso-contentType ?>
+<FormTemplates xmlns="http://schemas.microsoft.com/sharepoint/v3/contenttype/forms">
+  <Display>DocumentLibraryForm</Display>
+  <Edit>DocumentLibraryForm</Edit>
+  <New>DocumentLibraryForm</New>
+</FormTemplates>
+</file>
+
 <file path=customXml/item3.xml><?xml version="1.0" encoding="utf-8"?>
 <p:properties xmlns:p="http://schemas.microsoft.com/office/2006/metadata/properties" xmlns:xsi="http://www.w3.org/2001/XMLSchema-instance" xmlns:pc="http://schemas.microsoft.com/office/infopath/2007/PartnerControls">
   <documentManagement>
@@ -5801,14 +5837,6 @@
 </file>
 
 <file path=customXml/itemProps1.xml><?xml version="1.0" encoding="utf-8"?>
-<ds:datastoreItem xmlns:ds="http://schemas.openxmlformats.org/officeDocument/2006/customXml" ds:itemID="{3783BBC4-ED4A-4B64-9F7C-4A7EF0EFBA93}">
-  <ds:schemaRefs>
-    <ds:schemaRef ds:uri="http://schemas.microsoft.com/sharepoint/v3/contenttype/forms"/>
-  </ds:schemaRefs>
-</ds:datastoreItem>
-</file>
-
-<file path=customXml/itemProps2.xml><?xml version="1.0" encoding="utf-8"?>
 <ds:datastoreItem xmlns:ds="http://schemas.openxmlformats.org/officeDocument/2006/customXml" ds:itemID="{5FCA14A5-F30F-4818-8C96-DDC7A521F73C}">
   <ds:schemaRefs>
     <ds:schemaRef ds:uri="http://schemas.microsoft.com/office/2006/metadata/contentType"/>
@@ -5823,6 +5851,14 @@
     <ds:schemaRef ds:uri="http://purl.org/dc/elements/1.1/"/>
     <ds:schemaRef ds:uri="http://purl.org/dc/terms/"/>
     <ds:schemaRef ds:uri="http://schemas.microsoft.com/internal/obd"/>
+  </ds:schemaRefs>
+</ds:datastoreItem>
+</file>
+
+<file path=customXml/itemProps2.xml><?xml version="1.0" encoding="utf-8"?>
+<ds:datastoreItem xmlns:ds="http://schemas.openxmlformats.org/officeDocument/2006/customXml" ds:itemID="{3783BBC4-ED4A-4B64-9F7C-4A7EF0EFBA93}">
+  <ds:schemaRefs>
+    <ds:schemaRef ds:uri="http://schemas.microsoft.com/sharepoint/v3/contenttype/forms"/>
   </ds:schemaRefs>
 </ds:datastoreItem>
 </file>
